--- a/powerpoint/fr/notes-de-cours-powerpoint.pptx
+++ b/powerpoint/fr/notes-de-cours-powerpoint.pptx
@@ -1,20 +1,20 @@
 
 <file path=ppt/presentation.xml><?xml version="1.0" encoding="utf-8"?>
-<p:presentation xmlns:a="http://schemas.openxmlformats.org/drawingml/2006/main" xmlns:r="http://schemas.openxmlformats.org/officeDocument/2006/relationships" xmlns:p="http://schemas.openxmlformats.org/presentationml/2006/main" xmlns:m="http://schemas.openxmlformats.org/officeDocument/2006/math" xmlns:a14="http://schemas.microsoft.com/office/drawing/2010/main">
+<p:presentation xmlns:a="http://schemas.openxmlformats.org/drawingml/2006/main" xmlns:r="http://schemas.openxmlformats.org/officeDocument/2006/relationships" xmlns:p="http://schemas.openxmlformats.org/presentationml/2006/main">
   <p:sldMasterIdLst>
-    <p:sldMasterId id="2147483648" r:id="rId5"/>
+    <p:sldMasterId id="2147483648" r:id="rId1"/>
   </p:sldMasterIdLst>
   <p:notesMasterIdLst>
-    <p:notesMasterId r:id="rId7"/>
+    <p:notesMasterId r:id="rId9"/>
   </p:notesMasterIdLst>
   <p:sldIdLst>
-    <p:sldId id="256" r:id="rId8"/>
-    <p:sldId id="257" r:id="rId9"/>
-    <p:sldId id="258" r:id="rId10"/>
-    <p:sldId id="259" r:id="rId11"/>
-    <p:sldId id="260" r:id="rId12"/>
-    <p:sldId id="261" r:id="rId13"/>
-    <p:sldId id="262" r:id="rId14"/>
+    <p:sldId id="256" r:id="rId2"/>
+    <p:sldId id="257" r:id="rId3"/>
+    <p:sldId id="258" r:id="rId4"/>
+    <p:sldId id="259" r:id="rId5"/>
+    <p:sldId id="260" r:id="rId6"/>
+    <p:sldId id="261" r:id="rId7"/>
+    <p:sldId id="262" r:id="rId8"/>
   </p:sldIdLst>
   <p:sldSz cx="13004800" cy="9753600"/>
   <p:notesSz cx="6858000" cy="9144000"/>
@@ -34,7 +34,7 @@
       <a:buFontTx/>
       <a:buNone/>
       <a:tabLst/>
-      <a:defRPr b="0" baseline="0" cap="none" i="0" spc="0" strike="noStrike" sz="1800" u="none" kumimoji="0" normalizeH="0">
+      <a:defRPr kumimoji="0" sz="1800" b="0" i="0" u="none" strike="noStrike" cap="none" spc="0" normalizeH="0" baseline="0">
         <a:ln>
           <a:noFill/>
         </a:ln>
@@ -60,7 +60,7 @@
       <a:buFontTx/>
       <a:buNone/>
       <a:tabLst/>
-      <a:defRPr b="0" baseline="0" cap="none" i="0" spc="0" strike="noStrike" sz="4000" u="none" kumimoji="0" normalizeH="0">
+      <a:defRPr kumimoji="0" sz="4000" b="0" i="0" u="none" strike="noStrike" cap="none" spc="0" normalizeH="0" baseline="0">
         <a:ln>
           <a:noFill/>
         </a:ln>
@@ -90,7 +90,7 @@
       <a:buFontTx/>
       <a:buNone/>
       <a:tabLst/>
-      <a:defRPr b="0" baseline="0" cap="none" i="0" spc="0" strike="noStrike" sz="4000" u="none" kumimoji="0" normalizeH="0">
+      <a:defRPr kumimoji="0" sz="4000" b="0" i="0" u="none" strike="noStrike" cap="none" spc="0" normalizeH="0" baseline="0">
         <a:ln>
           <a:noFill/>
         </a:ln>
@@ -120,7 +120,7 @@
       <a:buFontTx/>
       <a:buNone/>
       <a:tabLst/>
-      <a:defRPr b="0" baseline="0" cap="none" i="0" spc="0" strike="noStrike" sz="4000" u="none" kumimoji="0" normalizeH="0">
+      <a:defRPr kumimoji="0" sz="4000" b="0" i="0" u="none" strike="noStrike" cap="none" spc="0" normalizeH="0" baseline="0">
         <a:ln>
           <a:noFill/>
         </a:ln>
@@ -150,7 +150,7 @@
       <a:buFontTx/>
       <a:buNone/>
       <a:tabLst/>
-      <a:defRPr b="0" baseline="0" cap="none" i="0" spc="0" strike="noStrike" sz="4000" u="none" kumimoji="0" normalizeH="0">
+      <a:defRPr kumimoji="0" sz="4000" b="0" i="0" u="none" strike="noStrike" cap="none" spc="0" normalizeH="0" baseline="0">
         <a:ln>
           <a:noFill/>
         </a:ln>
@@ -180,7 +180,7 @@
       <a:buFontTx/>
       <a:buNone/>
       <a:tabLst/>
-      <a:defRPr b="0" baseline="0" cap="none" i="0" spc="0" strike="noStrike" sz="4000" u="none" kumimoji="0" normalizeH="0">
+      <a:defRPr kumimoji="0" sz="4000" b="0" i="0" u="none" strike="noStrike" cap="none" spc="0" normalizeH="0" baseline="0">
         <a:ln>
           <a:noFill/>
         </a:ln>
@@ -210,7 +210,7 @@
       <a:buFontTx/>
       <a:buNone/>
       <a:tabLst/>
-      <a:defRPr b="0" baseline="0" cap="none" i="0" spc="0" strike="noStrike" sz="4000" u="none" kumimoji="0" normalizeH="0">
+      <a:defRPr kumimoji="0" sz="4000" b="0" i="0" u="none" strike="noStrike" cap="none" spc="0" normalizeH="0" baseline="0">
         <a:ln>
           <a:noFill/>
         </a:ln>
@@ -240,7 +240,7 @@
       <a:buFontTx/>
       <a:buNone/>
       <a:tabLst/>
-      <a:defRPr b="0" baseline="0" cap="none" i="0" spc="0" strike="noStrike" sz="4000" u="none" kumimoji="0" normalizeH="0">
+      <a:defRPr kumimoji="0" sz="4000" b="0" i="0" u="none" strike="noStrike" cap="none" spc="0" normalizeH="0" baseline="0">
         <a:ln>
           <a:noFill/>
         </a:ln>
@@ -270,7 +270,7 @@
       <a:buFontTx/>
       <a:buNone/>
       <a:tabLst/>
-      <a:defRPr b="0" baseline="0" cap="none" i="0" spc="0" strike="noStrike" sz="4000" u="none" kumimoji="0" normalizeH="0">
+      <a:defRPr kumimoji="0" sz="4000" b="0" i="0" u="none" strike="noStrike" cap="none" spc="0" normalizeH="0" baseline="0">
         <a:ln>
           <a:noFill/>
         </a:ln>
@@ -300,7 +300,7 @@
       <a:buFontTx/>
       <a:buNone/>
       <a:tabLst/>
-      <a:defRPr b="0" baseline="0" cap="none" i="0" spc="0" strike="noStrike" sz="4000" u="none" kumimoji="0" normalizeH="0">
+      <a:defRPr kumimoji="0" sz="4000" b="0" i="0" u="none" strike="noStrike" cap="none" spc="0" normalizeH="0" baseline="0">
         <a:ln>
           <a:noFill/>
         </a:ln>
@@ -319,13 +319,14 @@
 </p:presentation>
 </file>
 
-<file path=ppt/commentAuthors.xml><?xml version="1.0" encoding="utf-8"?>
-<p:cmAuthorLst xmlns:a="http://schemas.openxmlformats.org/drawingml/2006/main" xmlns:r="http://schemas.openxmlformats.org/officeDocument/2006/relationships" xmlns:p="http://schemas.openxmlformats.org/presentationml/2006/main" xmlns:m="http://schemas.openxmlformats.org/officeDocument/2006/math" xmlns:a14="http://schemas.microsoft.com/office/drawing/2010/main"/>
-</file>
-
 <file path=ppt/notesMasters/notesMaster1.xml><?xml version="1.0" encoding="utf-8"?>
-<p:notesMaster xmlns:a="http://schemas.openxmlformats.org/drawingml/2006/main" xmlns:r="http://schemas.openxmlformats.org/officeDocument/2006/relationships" xmlns:p="http://schemas.openxmlformats.org/presentationml/2006/main" xmlns:m="http://schemas.openxmlformats.org/officeDocument/2006/math" xmlns:a14="http://schemas.microsoft.com/office/drawing/2010/main">
+<p:notesMaster xmlns:a="http://schemas.openxmlformats.org/drawingml/2006/main" xmlns:r="http://schemas.openxmlformats.org/officeDocument/2006/relationships" xmlns:p="http://schemas.openxmlformats.org/presentationml/2006/main">
   <p:cSld>
+    <p:bg>
+      <p:bgRef idx="1001">
+        <a:schemeClr val="bg1"/>
+      </p:bgRef>
+    </p:bg>
     <p:spTree>
       <p:nvGrpSpPr>
         <p:cNvPr id="1" name=""/>
@@ -343,7 +344,9 @@
       <p:sp>
         <p:nvSpPr>
           <p:cNvPr id="115" name="Shape 115"/>
-          <p:cNvSpPr/>
+          <p:cNvSpPr>
+            <a:spLocks noGrp="1" noRot="1" noChangeAspect="1"/>
+          </p:cNvSpPr>
           <p:nvPr>
             <p:ph type="sldImg"/>
           </p:nvPr>
@@ -361,14 +364,16 @@
           <a:bodyPr/>
           <a:lstStyle/>
           <a:p>
-            <a:pPr/>
+            <a:endParaRPr/>
           </a:p>
         </p:txBody>
       </p:sp>
       <p:sp>
         <p:nvSpPr>
           <p:cNvPr id="116" name="Shape 116"/>
-          <p:cNvSpPr/>
+          <p:cNvSpPr>
+            <a:spLocks noGrp="1"/>
+          </p:cNvSpPr>
           <p:nvPr>
             <p:ph type="body" sz="quarter" idx="1"/>
           </p:nvPr>
@@ -386,7 +391,7 @@
           <a:bodyPr/>
           <a:lstStyle/>
           <a:p>
-            <a:pPr/>
+            <a:endParaRPr/>
           </a:p>
         </p:txBody>
       </p:sp>
@@ -471,17 +476,18 @@
 </file>
 
 <file path=ppt/slideLayouts/slideLayout1.xml><?xml version="1.0" encoding="utf-8"?>
-<p:sldLayout xmlns:a="http://schemas.openxmlformats.org/drawingml/2006/main" xmlns:r="http://schemas.openxmlformats.org/officeDocument/2006/relationships" xmlns:p="http://schemas.openxmlformats.org/presentationml/2006/main" xmlns:m="http://schemas.openxmlformats.org/officeDocument/2006/math" xmlns:a14="http://schemas.microsoft.com/office/drawing/2010/main" type="title" showMasterSp="1" showMasterPhAnim="1">
+<p:sldLayout xmlns:a="http://schemas.openxmlformats.org/drawingml/2006/main" xmlns:r="http://schemas.openxmlformats.org/officeDocument/2006/relationships" xmlns:p="http://schemas.openxmlformats.org/presentationml/2006/main" type="title">
   <p:cSld name="Title &amp; Subtitle">
     <p:bg>
       <p:bgPr>
         <a:blipFill rotWithShape="1">
           <a:blip r:embed="rId2"/>
-          <a:srcRect l="0" t="0" r="0" b="0"/>
+          <a:srcRect/>
           <a:stretch>
             <a:fillRect/>
           </a:stretch>
         </a:blipFill>
+        <a:effectLst/>
       </p:bgPr>
     </p:bg>
     <p:spTree>
@@ -501,7 +507,9 @@
       <p:sp>
         <p:nvSpPr>
           <p:cNvPr id="11" name="Title Text"/>
-          <p:cNvSpPr txBox="1"/>
+          <p:cNvSpPr txBox="1">
+            <a:spLocks noGrp="1"/>
+          </p:cNvSpPr>
           <p:nvPr>
             <p:ph type="title"/>
           </p:nvPr>
@@ -523,7 +531,6 @@
             </a:lvl1pPr>
           </a:lstStyle>
           <a:p>
-            <a:pPr/>
             <a:r>
               <a:t>Title Text</a:t>
             </a:r>
@@ -533,7 +540,9 @@
       <p:sp>
         <p:nvSpPr>
           <p:cNvPr id="12" name="Body Level One…"/>
-          <p:cNvSpPr txBox="1"/>
+          <p:cNvSpPr txBox="1">
+            <a:spLocks noGrp="1"/>
+          </p:cNvSpPr>
           <p:nvPr>
             <p:ph type="body" sz="quarter" idx="1"/>
           </p:nvPr>
@@ -647,7 +656,6 @@
             </a:lvl5pPr>
           </a:lstStyle>
           <a:p>
-            <a:pPr/>
             <a:r>
               <a:t>Body Level One</a:t>
             </a:r>
@@ -681,7 +689,9 @@
       <p:sp>
         <p:nvSpPr>
           <p:cNvPr id="13" name="Slide Number"/>
-          <p:cNvSpPr txBox="1"/>
+          <p:cNvSpPr txBox="1">
+            <a:spLocks noGrp="1"/>
+          </p:cNvSpPr>
           <p:nvPr>
             <p:ph type="sldNum" sz="quarter" idx="2"/>
           </p:nvPr>
@@ -695,8 +705,10 @@
           <a:bodyPr/>
           <a:lstStyle/>
           <a:p>
-            <a:pPr/>
-            <a:fld id="{86CB4B4D-7CA3-9044-876B-883B54F8677D}" type="slidenum"/>
+            <a:fld id="{86CB4B4D-7CA3-9044-876B-883B54F8677D}" type="slidenum">
+              <a:t>‹N°›</a:t>
+            </a:fld>
+            <a:endParaRPr/>
           </a:p>
         </p:txBody>
       </p:sp>
@@ -705,12 +717,12 @@
   <p:clrMapOvr>
     <a:masterClrMapping/>
   </p:clrMapOvr>
-  <p:transition xmlns:p14="http://schemas.microsoft.com/office/powerpoint/2010/main" spd="med" advClick="1"/>
+  <p:transition spd="med"/>
 </p:sldLayout>
 </file>
 
 <file path=ppt/slideLayouts/slideLayout10.xml><?xml version="1.0" encoding="utf-8"?>
-<p:sldLayout xmlns:a="http://schemas.openxmlformats.org/drawingml/2006/main" xmlns:r="http://schemas.openxmlformats.org/officeDocument/2006/relationships" xmlns:p="http://schemas.openxmlformats.org/presentationml/2006/main" xmlns:m="http://schemas.openxmlformats.org/officeDocument/2006/math" xmlns:a14="http://schemas.microsoft.com/office/drawing/2010/main" type="tx" showMasterSp="1" showMasterPhAnim="1">
+<p:sldLayout xmlns:a="http://schemas.openxmlformats.org/drawingml/2006/main" xmlns:r="http://schemas.openxmlformats.org/officeDocument/2006/relationships" xmlns:p="http://schemas.openxmlformats.org/presentationml/2006/main" type="tx">
   <p:cSld name="Title, Bullets &amp; Photo">
     <p:spTree>
       <p:nvGrpSpPr>
@@ -729,7 +741,9 @@
       <p:sp>
         <p:nvSpPr>
           <p:cNvPr id="88" name="Image"/>
-          <p:cNvSpPr/>
+          <p:cNvSpPr>
+            <a:spLocks noGrp="1"/>
+          </p:cNvSpPr>
           <p:nvPr>
             <p:ph type="pic" idx="21"/>
           </p:nvPr>
@@ -750,14 +764,16 @@
           <a:bodyPr lIns="91439" tIns="45719" rIns="91439" bIns="45719" anchor="t"/>
           <a:lstStyle/>
           <a:p>
-            <a:pPr/>
+            <a:endParaRPr/>
           </a:p>
         </p:txBody>
       </p:sp>
       <p:sp>
         <p:nvSpPr>
           <p:cNvPr id="89" name="Title Text"/>
-          <p:cNvSpPr txBox="1"/>
+          <p:cNvSpPr txBox="1">
+            <a:spLocks noGrp="1"/>
+          </p:cNvSpPr>
           <p:nvPr>
             <p:ph type="title"/>
           </p:nvPr>
@@ -771,7 +787,6 @@
           <a:bodyPr/>
           <a:lstStyle/>
           <a:p>
-            <a:pPr/>
             <a:r>
               <a:t>Title Text</a:t>
             </a:r>
@@ -781,7 +796,9 @@
       <p:sp>
         <p:nvSpPr>
           <p:cNvPr id="90" name="Body Level One…"/>
-          <p:cNvSpPr txBox="1"/>
+          <p:cNvSpPr txBox="1">
+            <a:spLocks noGrp="1"/>
+          </p:cNvSpPr>
           <p:nvPr>
             <p:ph type="body" sz="half" idx="1"/>
           </p:nvPr>
@@ -860,7 +877,6 @@
             </a:lvl5pPr>
           </a:lstStyle>
           <a:p>
-            <a:pPr/>
             <a:r>
               <a:t>Body Level One</a:t>
             </a:r>
@@ -894,7 +910,9 @@
       <p:sp>
         <p:nvSpPr>
           <p:cNvPr id="91" name="Slide Number"/>
-          <p:cNvSpPr txBox="1"/>
+          <p:cNvSpPr txBox="1">
+            <a:spLocks noGrp="1"/>
+          </p:cNvSpPr>
           <p:nvPr>
             <p:ph type="sldNum" sz="quarter" idx="2"/>
           </p:nvPr>
@@ -908,8 +926,10 @@
           <a:bodyPr/>
           <a:lstStyle/>
           <a:p>
-            <a:pPr/>
-            <a:fld id="{86CB4B4D-7CA3-9044-876B-883B54F8677D}" type="slidenum"/>
+            <a:fld id="{86CB4B4D-7CA3-9044-876B-883B54F8677D}" type="slidenum">
+              <a:t>‹N°›</a:t>
+            </a:fld>
+            <a:endParaRPr/>
           </a:p>
         </p:txBody>
       </p:sp>
@@ -918,12 +938,12 @@
   <p:clrMapOvr>
     <a:masterClrMapping/>
   </p:clrMapOvr>
-  <p:transition xmlns:p14="http://schemas.microsoft.com/office/powerpoint/2010/main" spd="med" advClick="1"/>
+  <p:transition spd="med"/>
 </p:sldLayout>
 </file>
 
 <file path=ppt/slideLayouts/slideLayout11.xml><?xml version="1.0" encoding="utf-8"?>
-<p:sldLayout xmlns:a="http://schemas.openxmlformats.org/drawingml/2006/main" xmlns:r="http://schemas.openxmlformats.org/officeDocument/2006/relationships" xmlns:p="http://schemas.openxmlformats.org/presentationml/2006/main" xmlns:m="http://schemas.openxmlformats.org/officeDocument/2006/math" xmlns:a14="http://schemas.microsoft.com/office/drawing/2010/main" type="tx" showMasterSp="1" showMasterPhAnim="1">
+<p:sldLayout xmlns:a="http://schemas.openxmlformats.org/drawingml/2006/main" xmlns:r="http://schemas.openxmlformats.org/officeDocument/2006/relationships" xmlns:p="http://schemas.openxmlformats.org/presentationml/2006/main" type="tx">
   <p:cSld name="Title &amp; Bullets - Left">
     <p:spTree>
       <p:nvGrpSpPr>
@@ -942,7 +962,9 @@
       <p:sp>
         <p:nvSpPr>
           <p:cNvPr id="98" name="Title Text"/>
-          <p:cNvSpPr txBox="1"/>
+          <p:cNvSpPr txBox="1">
+            <a:spLocks noGrp="1"/>
+          </p:cNvSpPr>
           <p:nvPr>
             <p:ph type="title"/>
           </p:nvPr>
@@ -956,7 +978,6 @@
           <a:bodyPr/>
           <a:lstStyle/>
           <a:p>
-            <a:pPr/>
             <a:r>
               <a:t>Title Text</a:t>
             </a:r>
@@ -966,7 +987,9 @@
       <p:sp>
         <p:nvSpPr>
           <p:cNvPr id="99" name="Body Level One…"/>
-          <p:cNvSpPr txBox="1"/>
+          <p:cNvSpPr txBox="1">
+            <a:spLocks noGrp="1"/>
+          </p:cNvSpPr>
           <p:nvPr>
             <p:ph type="body" sz="half" idx="1"/>
           </p:nvPr>
@@ -1045,7 +1068,6 @@
             </a:lvl5pPr>
           </a:lstStyle>
           <a:p>
-            <a:pPr/>
             <a:r>
               <a:t>Body Level One</a:t>
             </a:r>
@@ -1079,7 +1101,9 @@
       <p:sp>
         <p:nvSpPr>
           <p:cNvPr id="100" name="Slide Number"/>
-          <p:cNvSpPr txBox="1"/>
+          <p:cNvSpPr txBox="1">
+            <a:spLocks noGrp="1"/>
+          </p:cNvSpPr>
           <p:nvPr>
             <p:ph type="sldNum" sz="quarter" idx="2"/>
           </p:nvPr>
@@ -1093,8 +1117,10 @@
           <a:bodyPr/>
           <a:lstStyle/>
           <a:p>
-            <a:pPr/>
-            <a:fld id="{86CB4B4D-7CA3-9044-876B-883B54F8677D}" type="slidenum"/>
+            <a:fld id="{86CB4B4D-7CA3-9044-876B-883B54F8677D}" type="slidenum">
+              <a:t>‹N°›</a:t>
+            </a:fld>
+            <a:endParaRPr/>
           </a:p>
         </p:txBody>
       </p:sp>
@@ -1103,12 +1129,12 @@
   <p:clrMapOvr>
     <a:masterClrMapping/>
   </p:clrMapOvr>
-  <p:transition xmlns:p14="http://schemas.microsoft.com/office/powerpoint/2010/main" spd="med" advClick="1"/>
+  <p:transition spd="med"/>
 </p:sldLayout>
 </file>
 
 <file path=ppt/slideLayouts/slideLayout12.xml><?xml version="1.0" encoding="utf-8"?>
-<p:sldLayout xmlns:a="http://schemas.openxmlformats.org/drawingml/2006/main" xmlns:r="http://schemas.openxmlformats.org/officeDocument/2006/relationships" xmlns:p="http://schemas.openxmlformats.org/presentationml/2006/main" xmlns:m="http://schemas.openxmlformats.org/officeDocument/2006/math" xmlns:a14="http://schemas.microsoft.com/office/drawing/2010/main" type="tx" showMasterSp="1" showMasterPhAnim="1">
+<p:sldLayout xmlns:a="http://schemas.openxmlformats.org/drawingml/2006/main" xmlns:r="http://schemas.openxmlformats.org/officeDocument/2006/relationships" xmlns:p="http://schemas.openxmlformats.org/presentationml/2006/main" type="tx">
   <p:cSld name="Title &amp; Bullets - Right">
     <p:spTree>
       <p:nvGrpSpPr>
@@ -1127,7 +1153,9 @@
       <p:sp>
         <p:nvSpPr>
           <p:cNvPr id="107" name="Title Text"/>
-          <p:cNvSpPr txBox="1"/>
+          <p:cNvSpPr txBox="1">
+            <a:spLocks noGrp="1"/>
+          </p:cNvSpPr>
           <p:nvPr>
             <p:ph type="title"/>
           </p:nvPr>
@@ -1141,7 +1169,6 @@
           <a:bodyPr/>
           <a:lstStyle/>
           <a:p>
-            <a:pPr/>
             <a:r>
               <a:t>Title Text</a:t>
             </a:r>
@@ -1151,7 +1178,9 @@
       <p:sp>
         <p:nvSpPr>
           <p:cNvPr id="108" name="Body Level One…"/>
-          <p:cNvSpPr txBox="1"/>
+          <p:cNvSpPr txBox="1">
+            <a:spLocks noGrp="1"/>
+          </p:cNvSpPr>
           <p:nvPr>
             <p:ph type="body" sz="half" idx="1"/>
           </p:nvPr>
@@ -1230,7 +1259,6 @@
             </a:lvl5pPr>
           </a:lstStyle>
           <a:p>
-            <a:pPr/>
             <a:r>
               <a:t>Body Level One</a:t>
             </a:r>
@@ -1264,7 +1292,9 @@
       <p:sp>
         <p:nvSpPr>
           <p:cNvPr id="109" name="Slide Number"/>
-          <p:cNvSpPr txBox="1"/>
+          <p:cNvSpPr txBox="1">
+            <a:spLocks noGrp="1"/>
+          </p:cNvSpPr>
           <p:nvPr>
             <p:ph type="sldNum" sz="quarter" idx="2"/>
           </p:nvPr>
@@ -1278,8 +1308,10 @@
           <a:bodyPr/>
           <a:lstStyle/>
           <a:p>
-            <a:pPr/>
-            <a:fld id="{86CB4B4D-7CA3-9044-876B-883B54F8677D}" type="slidenum"/>
+            <a:fld id="{86CB4B4D-7CA3-9044-876B-883B54F8677D}" type="slidenum">
+              <a:t>‹N°›</a:t>
+            </a:fld>
+            <a:endParaRPr/>
           </a:p>
         </p:txBody>
       </p:sp>
@@ -1288,12 +1320,12 @@
   <p:clrMapOvr>
     <a:masterClrMapping/>
   </p:clrMapOvr>
-  <p:transition xmlns:p14="http://schemas.microsoft.com/office/powerpoint/2010/main" spd="med" advClick="1"/>
+  <p:transition spd="med"/>
 </p:sldLayout>
 </file>
 
 <file path=ppt/slideLayouts/slideLayout2.xml><?xml version="1.0" encoding="utf-8"?>
-<p:sldLayout xmlns:a="http://schemas.openxmlformats.org/drawingml/2006/main" xmlns:r="http://schemas.openxmlformats.org/officeDocument/2006/relationships" xmlns:p="http://schemas.openxmlformats.org/presentationml/2006/main" xmlns:m="http://schemas.openxmlformats.org/officeDocument/2006/math" xmlns:a14="http://schemas.microsoft.com/office/drawing/2010/main" type="tx" showMasterSp="1" showMasterPhAnim="1">
+<p:sldLayout xmlns:a="http://schemas.openxmlformats.org/drawingml/2006/main" xmlns:r="http://schemas.openxmlformats.org/officeDocument/2006/relationships" xmlns:p="http://schemas.openxmlformats.org/presentationml/2006/main" type="tx">
   <p:cSld name="Title &amp; Bullets">
     <p:spTree>
       <p:nvGrpSpPr>
@@ -1312,7 +1344,9 @@
       <p:sp>
         <p:nvSpPr>
           <p:cNvPr id="20" name="Title Text"/>
-          <p:cNvSpPr txBox="1"/>
+          <p:cNvSpPr txBox="1">
+            <a:spLocks noGrp="1"/>
+          </p:cNvSpPr>
           <p:nvPr>
             <p:ph type="title"/>
           </p:nvPr>
@@ -1326,7 +1360,6 @@
           <a:bodyPr/>
           <a:lstStyle/>
           <a:p>
-            <a:pPr/>
             <a:r>
               <a:t>Title Text</a:t>
             </a:r>
@@ -1336,7 +1369,9 @@
       <p:sp>
         <p:nvSpPr>
           <p:cNvPr id="21" name="Body Level One…"/>
-          <p:cNvSpPr txBox="1"/>
+          <p:cNvSpPr txBox="1">
+            <a:spLocks noGrp="1"/>
+          </p:cNvSpPr>
           <p:nvPr>
             <p:ph type="body" idx="1"/>
           </p:nvPr>
@@ -1376,7 +1411,6 @@
             </a:lvl5pPr>
           </a:lstStyle>
           <a:p>
-            <a:pPr/>
             <a:r>
               <a:t>Body Level One</a:t>
             </a:r>
@@ -1410,7 +1444,9 @@
       <p:sp>
         <p:nvSpPr>
           <p:cNvPr id="22" name="Slide Number"/>
-          <p:cNvSpPr txBox="1"/>
+          <p:cNvSpPr txBox="1">
+            <a:spLocks noGrp="1"/>
+          </p:cNvSpPr>
           <p:nvPr>
             <p:ph type="sldNum" sz="quarter" idx="2"/>
           </p:nvPr>
@@ -1424,8 +1460,10 @@
           <a:bodyPr/>
           <a:lstStyle/>
           <a:p>
-            <a:pPr/>
-            <a:fld id="{86CB4B4D-7CA3-9044-876B-883B54F8677D}" type="slidenum"/>
+            <a:fld id="{86CB4B4D-7CA3-9044-876B-883B54F8677D}" type="slidenum">
+              <a:t>‹N°›</a:t>
+            </a:fld>
+            <a:endParaRPr/>
           </a:p>
         </p:txBody>
       </p:sp>
@@ -1434,12 +1472,12 @@
   <p:clrMapOvr>
     <a:masterClrMapping/>
   </p:clrMapOvr>
-  <p:transition xmlns:p14="http://schemas.microsoft.com/office/powerpoint/2010/main" spd="med" advClick="1"/>
+  <p:transition spd="med"/>
 </p:sldLayout>
 </file>
 
 <file path=ppt/slideLayouts/slideLayout3.xml><?xml version="1.0" encoding="utf-8"?>
-<p:sldLayout xmlns:a="http://schemas.openxmlformats.org/drawingml/2006/main" xmlns:r="http://schemas.openxmlformats.org/officeDocument/2006/relationships" xmlns:p="http://schemas.openxmlformats.org/presentationml/2006/main" xmlns:m="http://schemas.openxmlformats.org/officeDocument/2006/math" xmlns:a14="http://schemas.microsoft.com/office/drawing/2010/main" type="tx" showMasterSp="1" showMasterPhAnim="1">
+<p:sldLayout xmlns:a="http://schemas.openxmlformats.org/drawingml/2006/main" xmlns:r="http://schemas.openxmlformats.org/officeDocument/2006/relationships" xmlns:p="http://schemas.openxmlformats.org/presentationml/2006/main" type="tx">
   <p:cSld name="Title &amp; Bullets - 2 Column">
     <p:spTree>
       <p:nvGrpSpPr>
@@ -1458,7 +1496,9 @@
       <p:sp>
         <p:nvSpPr>
           <p:cNvPr id="29" name="Title Text"/>
-          <p:cNvSpPr txBox="1"/>
+          <p:cNvSpPr txBox="1">
+            <a:spLocks noGrp="1"/>
+          </p:cNvSpPr>
           <p:nvPr>
             <p:ph type="title"/>
           </p:nvPr>
@@ -1472,7 +1512,6 @@
           <a:bodyPr/>
           <a:lstStyle/>
           <a:p>
-            <a:pPr/>
             <a:r>
               <a:t>Title Text</a:t>
             </a:r>
@@ -1482,7 +1521,9 @@
       <p:sp>
         <p:nvSpPr>
           <p:cNvPr id="30" name="Body Level One…"/>
-          <p:cNvSpPr txBox="1"/>
+          <p:cNvSpPr txBox="1">
+            <a:spLocks noGrp="1"/>
+          </p:cNvSpPr>
           <p:nvPr>
             <p:ph type="body" idx="1"/>
           </p:nvPr>
@@ -1557,7 +1598,6 @@
             </a:lvl5pPr>
           </a:lstStyle>
           <a:p>
-            <a:pPr/>
             <a:r>
               <a:t>Body Level One</a:t>
             </a:r>
@@ -1591,7 +1631,9 @@
       <p:sp>
         <p:nvSpPr>
           <p:cNvPr id="31" name="Slide Number"/>
-          <p:cNvSpPr txBox="1"/>
+          <p:cNvSpPr txBox="1">
+            <a:spLocks noGrp="1"/>
+          </p:cNvSpPr>
           <p:nvPr>
             <p:ph type="sldNum" sz="quarter" idx="2"/>
           </p:nvPr>
@@ -1605,8 +1647,10 @@
           <a:bodyPr/>
           <a:lstStyle/>
           <a:p>
-            <a:pPr/>
-            <a:fld id="{86CB4B4D-7CA3-9044-876B-883B54F8677D}" type="slidenum"/>
+            <a:fld id="{86CB4B4D-7CA3-9044-876B-883B54F8677D}" type="slidenum">
+              <a:t>‹N°›</a:t>
+            </a:fld>
+            <a:endParaRPr/>
           </a:p>
         </p:txBody>
       </p:sp>
@@ -1615,22 +1659,23 @@
   <p:clrMapOvr>
     <a:masterClrMapping/>
   </p:clrMapOvr>
-  <p:transition xmlns:p14="http://schemas.microsoft.com/office/powerpoint/2010/main" spd="med" advClick="1"/>
+  <p:transition spd="med"/>
 </p:sldLayout>
 </file>
 
 <file path=ppt/slideLayouts/slideLayout4.xml><?xml version="1.0" encoding="utf-8"?>
-<p:sldLayout xmlns:a="http://schemas.openxmlformats.org/drawingml/2006/main" xmlns:r="http://schemas.openxmlformats.org/officeDocument/2006/relationships" xmlns:p="http://schemas.openxmlformats.org/presentationml/2006/main" xmlns:m="http://schemas.openxmlformats.org/officeDocument/2006/math" xmlns:a14="http://schemas.microsoft.com/office/drawing/2010/main" type="tx" showMasterSp="1" showMasterPhAnim="1">
+<p:sldLayout xmlns:a="http://schemas.openxmlformats.org/drawingml/2006/main" xmlns:r="http://schemas.openxmlformats.org/officeDocument/2006/relationships" xmlns:p="http://schemas.openxmlformats.org/presentationml/2006/main" type="tx">
   <p:cSld name="Bullets">
     <p:bg>
       <p:bgPr>
         <a:blipFill rotWithShape="1">
           <a:blip r:embed="rId2"/>
-          <a:srcRect l="0" t="0" r="0" b="0"/>
+          <a:srcRect/>
           <a:stretch>
             <a:fillRect/>
           </a:stretch>
         </a:blipFill>
+        <a:effectLst/>
       </p:bgPr>
     </p:bg>
     <p:spTree>
@@ -1650,7 +1695,9 @@
       <p:sp>
         <p:nvSpPr>
           <p:cNvPr id="38" name="Body Level One…"/>
-          <p:cNvSpPr txBox="1"/>
+          <p:cNvSpPr txBox="1">
+            <a:spLocks noGrp="1"/>
+          </p:cNvSpPr>
           <p:nvPr>
             <p:ph type="body" idx="1"/>
           </p:nvPr>
@@ -1709,7 +1756,6 @@
             </a:lvl5pPr>
           </a:lstStyle>
           <a:p>
-            <a:pPr/>
             <a:r>
               <a:t>Body Level One</a:t>
             </a:r>
@@ -1743,7 +1789,9 @@
       <p:sp>
         <p:nvSpPr>
           <p:cNvPr id="39" name="Slide Number"/>
-          <p:cNvSpPr txBox="1"/>
+          <p:cNvSpPr txBox="1">
+            <a:spLocks noGrp="1"/>
+          </p:cNvSpPr>
           <p:nvPr>
             <p:ph type="sldNum" sz="quarter" idx="2"/>
           </p:nvPr>
@@ -1757,8 +1805,10 @@
           <a:bodyPr/>
           <a:lstStyle/>
           <a:p>
-            <a:pPr/>
-            <a:fld id="{86CB4B4D-7CA3-9044-876B-883B54F8677D}" type="slidenum"/>
+            <a:fld id="{86CB4B4D-7CA3-9044-876B-883B54F8677D}" type="slidenum">
+              <a:t>‹N°›</a:t>
+            </a:fld>
+            <a:endParaRPr/>
           </a:p>
         </p:txBody>
       </p:sp>
@@ -1767,22 +1817,23 @@
   <p:clrMapOvr>
     <a:masterClrMapping/>
   </p:clrMapOvr>
-  <p:transition xmlns:p14="http://schemas.microsoft.com/office/powerpoint/2010/main" spd="med" advClick="1"/>
+  <p:transition spd="med"/>
 </p:sldLayout>
 </file>
 
 <file path=ppt/slideLayouts/slideLayout5.xml><?xml version="1.0" encoding="utf-8"?>
-<p:sldLayout xmlns:a="http://schemas.openxmlformats.org/drawingml/2006/main" xmlns:r="http://schemas.openxmlformats.org/officeDocument/2006/relationships" xmlns:p="http://schemas.openxmlformats.org/presentationml/2006/main" xmlns:m="http://schemas.openxmlformats.org/officeDocument/2006/math" xmlns:a14="http://schemas.microsoft.com/office/drawing/2010/main" type="tx" showMasterSp="1" showMasterPhAnim="1">
+<p:sldLayout xmlns:a="http://schemas.openxmlformats.org/drawingml/2006/main" xmlns:r="http://schemas.openxmlformats.org/officeDocument/2006/relationships" xmlns:p="http://schemas.openxmlformats.org/presentationml/2006/main" type="tx">
   <p:cSld name="Blank">
     <p:bg>
       <p:bgPr>
         <a:blipFill rotWithShape="1">
           <a:blip r:embed="rId2"/>
-          <a:srcRect l="0" t="0" r="0" b="0"/>
+          <a:srcRect/>
           <a:stretch>
             <a:fillRect/>
           </a:stretch>
         </a:blipFill>
+        <a:effectLst/>
       </p:bgPr>
     </p:bg>
     <p:spTree>
@@ -1802,7 +1853,9 @@
       <p:sp>
         <p:nvSpPr>
           <p:cNvPr id="46" name="Slide Number"/>
-          <p:cNvSpPr txBox="1"/>
+          <p:cNvSpPr txBox="1">
+            <a:spLocks noGrp="1"/>
+          </p:cNvSpPr>
           <p:nvPr>
             <p:ph type="sldNum" sz="quarter" idx="2"/>
           </p:nvPr>
@@ -1816,8 +1869,10 @@
           <a:bodyPr/>
           <a:lstStyle/>
           <a:p>
-            <a:pPr/>
-            <a:fld id="{86CB4B4D-7CA3-9044-876B-883B54F8677D}" type="slidenum"/>
+            <a:fld id="{86CB4B4D-7CA3-9044-876B-883B54F8677D}" type="slidenum">
+              <a:t>‹N°›</a:t>
+            </a:fld>
+            <a:endParaRPr/>
           </a:p>
         </p:txBody>
       </p:sp>
@@ -1826,12 +1881,12 @@
   <p:clrMapOvr>
     <a:masterClrMapping/>
   </p:clrMapOvr>
-  <p:transition xmlns:p14="http://schemas.microsoft.com/office/powerpoint/2010/main" spd="med" advClick="1"/>
+  <p:transition spd="med"/>
 </p:sldLayout>
 </file>
 
 <file path=ppt/slideLayouts/slideLayout6.xml><?xml version="1.0" encoding="utf-8"?>
-<p:sldLayout xmlns:a="http://schemas.openxmlformats.org/drawingml/2006/main" xmlns:r="http://schemas.openxmlformats.org/officeDocument/2006/relationships" xmlns:p="http://schemas.openxmlformats.org/presentationml/2006/main" xmlns:m="http://schemas.openxmlformats.org/officeDocument/2006/math" xmlns:a14="http://schemas.microsoft.com/office/drawing/2010/main" type="tx" showMasterSp="1" showMasterPhAnim="1">
+<p:sldLayout xmlns:a="http://schemas.openxmlformats.org/drawingml/2006/main" xmlns:r="http://schemas.openxmlformats.org/officeDocument/2006/relationships" xmlns:p="http://schemas.openxmlformats.org/presentationml/2006/main" type="tx">
   <p:cSld name="Title - Top">
     <p:spTree>
       <p:nvGrpSpPr>
@@ -1850,7 +1905,9 @@
       <p:sp>
         <p:nvSpPr>
           <p:cNvPr id="53" name="Title Text"/>
-          <p:cNvSpPr txBox="1"/>
+          <p:cNvSpPr txBox="1">
+            <a:spLocks noGrp="1"/>
+          </p:cNvSpPr>
           <p:nvPr>
             <p:ph type="title"/>
           </p:nvPr>
@@ -1864,7 +1921,6 @@
           <a:bodyPr/>
           <a:lstStyle/>
           <a:p>
-            <a:pPr/>
             <a:r>
               <a:t>Title Text</a:t>
             </a:r>
@@ -1874,7 +1930,9 @@
       <p:sp>
         <p:nvSpPr>
           <p:cNvPr id="54" name="Slide Number"/>
-          <p:cNvSpPr txBox="1"/>
+          <p:cNvSpPr txBox="1">
+            <a:spLocks noGrp="1"/>
+          </p:cNvSpPr>
           <p:nvPr>
             <p:ph type="sldNum" sz="quarter" idx="2"/>
           </p:nvPr>
@@ -1888,8 +1946,10 @@
           <a:bodyPr/>
           <a:lstStyle/>
           <a:p>
-            <a:pPr/>
-            <a:fld id="{86CB4B4D-7CA3-9044-876B-883B54F8677D}" type="slidenum"/>
+            <a:fld id="{86CB4B4D-7CA3-9044-876B-883B54F8677D}" type="slidenum">
+              <a:t>‹N°›</a:t>
+            </a:fld>
+            <a:endParaRPr/>
           </a:p>
         </p:txBody>
       </p:sp>
@@ -1898,22 +1958,23 @@
   <p:clrMapOvr>
     <a:masterClrMapping/>
   </p:clrMapOvr>
-  <p:transition xmlns:p14="http://schemas.microsoft.com/office/powerpoint/2010/main" spd="med" advClick="1"/>
+  <p:transition spd="med"/>
 </p:sldLayout>
 </file>
 
 <file path=ppt/slideLayouts/slideLayout7.xml><?xml version="1.0" encoding="utf-8"?>
-<p:sldLayout xmlns:a="http://schemas.openxmlformats.org/drawingml/2006/main" xmlns:r="http://schemas.openxmlformats.org/officeDocument/2006/relationships" xmlns:p="http://schemas.openxmlformats.org/presentationml/2006/main" xmlns:m="http://schemas.openxmlformats.org/officeDocument/2006/math" xmlns:a14="http://schemas.microsoft.com/office/drawing/2010/main" type="tx" showMasterSp="1" showMasterPhAnim="1">
+<p:sldLayout xmlns:a="http://schemas.openxmlformats.org/drawingml/2006/main" xmlns:r="http://schemas.openxmlformats.org/officeDocument/2006/relationships" xmlns:p="http://schemas.openxmlformats.org/presentationml/2006/main" type="tx">
   <p:cSld name="Title - Center">
     <p:bg>
       <p:bgPr>
         <a:blipFill rotWithShape="1">
           <a:blip r:embed="rId2"/>
-          <a:srcRect l="0" t="0" r="0" b="0"/>
+          <a:srcRect/>
           <a:stretch>
             <a:fillRect/>
           </a:stretch>
         </a:blipFill>
+        <a:effectLst/>
       </p:bgPr>
     </p:bg>
     <p:spTree>
@@ -1933,7 +1994,9 @@
       <p:sp>
         <p:nvSpPr>
           <p:cNvPr id="61" name="Title Text"/>
-          <p:cNvSpPr txBox="1"/>
+          <p:cNvSpPr txBox="1">
+            <a:spLocks noGrp="1"/>
+          </p:cNvSpPr>
           <p:nvPr>
             <p:ph type="title"/>
           </p:nvPr>
@@ -1951,7 +2014,6 @@
           <a:bodyPr/>
           <a:lstStyle/>
           <a:p>
-            <a:pPr/>
             <a:r>
               <a:t>Title Text</a:t>
             </a:r>
@@ -1961,7 +2023,9 @@
       <p:sp>
         <p:nvSpPr>
           <p:cNvPr id="62" name="Slide Number"/>
-          <p:cNvSpPr txBox="1"/>
+          <p:cNvSpPr txBox="1">
+            <a:spLocks noGrp="1"/>
+          </p:cNvSpPr>
           <p:nvPr>
             <p:ph type="sldNum" sz="quarter" idx="2"/>
           </p:nvPr>
@@ -1975,8 +2039,10 @@
           <a:bodyPr/>
           <a:lstStyle/>
           <a:p>
-            <a:pPr/>
-            <a:fld id="{86CB4B4D-7CA3-9044-876B-883B54F8677D}" type="slidenum"/>
+            <a:fld id="{86CB4B4D-7CA3-9044-876B-883B54F8677D}" type="slidenum">
+              <a:t>‹N°›</a:t>
+            </a:fld>
+            <a:endParaRPr/>
           </a:p>
         </p:txBody>
       </p:sp>
@@ -1985,22 +2051,23 @@
   <p:clrMapOvr>
     <a:masterClrMapping/>
   </p:clrMapOvr>
-  <p:transition xmlns:p14="http://schemas.microsoft.com/office/powerpoint/2010/main" spd="med" advClick="1"/>
+  <p:transition spd="med"/>
 </p:sldLayout>
 </file>
 
 <file path=ppt/slideLayouts/slideLayout8.xml><?xml version="1.0" encoding="utf-8"?>
-<p:sldLayout xmlns:a="http://schemas.openxmlformats.org/drawingml/2006/main" xmlns:r="http://schemas.openxmlformats.org/officeDocument/2006/relationships" xmlns:p="http://schemas.openxmlformats.org/presentationml/2006/main" xmlns:m="http://schemas.openxmlformats.org/officeDocument/2006/math" xmlns:a14="http://schemas.microsoft.com/office/drawing/2010/main" type="tx" showMasterSp="1" showMasterPhAnim="1">
+<p:sldLayout xmlns:a="http://schemas.openxmlformats.org/drawingml/2006/main" xmlns:r="http://schemas.openxmlformats.org/officeDocument/2006/relationships" xmlns:p="http://schemas.openxmlformats.org/presentationml/2006/main" type="tx">
   <p:cSld name="Photo - Horizontal">
     <p:bg>
       <p:bgPr>
         <a:blipFill rotWithShape="1">
           <a:blip r:embed="rId2"/>
-          <a:srcRect l="0" t="0" r="0" b="0"/>
+          <a:srcRect/>
           <a:stretch>
             <a:fillRect/>
           </a:stretch>
         </a:blipFill>
+        <a:effectLst/>
       </p:bgPr>
     </p:bg>
     <p:spTree>
@@ -2020,7 +2087,9 @@
       <p:sp>
         <p:nvSpPr>
           <p:cNvPr id="69" name="Image"/>
-          <p:cNvSpPr/>
+          <p:cNvSpPr>
+            <a:spLocks noGrp="1"/>
+          </p:cNvSpPr>
           <p:nvPr>
             <p:ph type="pic" sz="half" idx="21"/>
           </p:nvPr>
@@ -2041,14 +2110,16 @@
           <a:bodyPr lIns="91439" tIns="45719" rIns="91439" bIns="45719" anchor="t"/>
           <a:lstStyle/>
           <a:p>
-            <a:pPr/>
+            <a:endParaRPr/>
           </a:p>
         </p:txBody>
       </p:sp>
       <p:sp>
         <p:nvSpPr>
           <p:cNvPr id="70" name="Title Text"/>
-          <p:cNvSpPr txBox="1"/>
+          <p:cNvSpPr txBox="1">
+            <a:spLocks noGrp="1"/>
+          </p:cNvSpPr>
           <p:nvPr>
             <p:ph type="title"/>
           </p:nvPr>
@@ -2066,7 +2137,6 @@
           <a:bodyPr/>
           <a:lstStyle/>
           <a:p>
-            <a:pPr/>
             <a:r>
               <a:t>Title Text</a:t>
             </a:r>
@@ -2076,7 +2146,9 @@
       <p:sp>
         <p:nvSpPr>
           <p:cNvPr id="71" name="Slide Number"/>
-          <p:cNvSpPr txBox="1"/>
+          <p:cNvSpPr txBox="1">
+            <a:spLocks noGrp="1"/>
+          </p:cNvSpPr>
           <p:nvPr>
             <p:ph type="sldNum" sz="quarter" idx="2"/>
           </p:nvPr>
@@ -2090,8 +2162,10 @@
           <a:bodyPr/>
           <a:lstStyle/>
           <a:p>
-            <a:pPr/>
-            <a:fld id="{86CB4B4D-7CA3-9044-876B-883B54F8677D}" type="slidenum"/>
+            <a:fld id="{86CB4B4D-7CA3-9044-876B-883B54F8677D}" type="slidenum">
+              <a:t>‹N°›</a:t>
+            </a:fld>
+            <a:endParaRPr/>
           </a:p>
         </p:txBody>
       </p:sp>
@@ -2100,22 +2174,23 @@
   <p:clrMapOvr>
     <a:masterClrMapping/>
   </p:clrMapOvr>
-  <p:transition xmlns:p14="http://schemas.microsoft.com/office/powerpoint/2010/main" spd="med" advClick="1"/>
+  <p:transition spd="med"/>
 </p:sldLayout>
 </file>
 
 <file path=ppt/slideLayouts/slideLayout9.xml><?xml version="1.0" encoding="utf-8"?>
-<p:sldLayout xmlns:a="http://schemas.openxmlformats.org/drawingml/2006/main" xmlns:r="http://schemas.openxmlformats.org/officeDocument/2006/relationships" xmlns:p="http://schemas.openxmlformats.org/presentationml/2006/main" xmlns:m="http://schemas.openxmlformats.org/officeDocument/2006/math" xmlns:a14="http://schemas.microsoft.com/office/drawing/2010/main" type="tx" showMasterSp="1" showMasterPhAnim="1">
+<p:sldLayout xmlns:a="http://schemas.openxmlformats.org/drawingml/2006/main" xmlns:r="http://schemas.openxmlformats.org/officeDocument/2006/relationships" xmlns:p="http://schemas.openxmlformats.org/presentationml/2006/main" type="tx">
   <p:cSld name="Photo - Vertical">
     <p:bg>
       <p:bgPr>
         <a:blipFill rotWithShape="1">
           <a:blip r:embed="rId2"/>
-          <a:srcRect l="0" t="0" r="0" b="0"/>
+          <a:srcRect/>
           <a:stretch>
             <a:fillRect/>
           </a:stretch>
         </a:blipFill>
+        <a:effectLst/>
       </p:bgPr>
     </p:bg>
     <p:spTree>
@@ -2135,7 +2210,9 @@
       <p:sp>
         <p:nvSpPr>
           <p:cNvPr id="78" name="Image"/>
-          <p:cNvSpPr/>
+          <p:cNvSpPr>
+            <a:spLocks noGrp="1"/>
+          </p:cNvSpPr>
           <p:nvPr>
             <p:ph type="pic" idx="21"/>
           </p:nvPr>
@@ -2156,14 +2233,16 @@
           <a:bodyPr lIns="91439" tIns="45719" rIns="91439" bIns="45719" anchor="t"/>
           <a:lstStyle/>
           <a:p>
-            <a:pPr/>
+            <a:endParaRPr/>
           </a:p>
         </p:txBody>
       </p:sp>
       <p:sp>
         <p:nvSpPr>
           <p:cNvPr id="79" name="Title Text"/>
-          <p:cNvSpPr txBox="1"/>
+          <p:cNvSpPr txBox="1">
+            <a:spLocks noGrp="1"/>
+          </p:cNvSpPr>
           <p:nvPr>
             <p:ph type="title"/>
           </p:nvPr>
@@ -2181,7 +2260,6 @@
           <a:bodyPr anchor="b"/>
           <a:lstStyle/>
           <a:p>
-            <a:pPr/>
             <a:r>
               <a:t>Title Text</a:t>
             </a:r>
@@ -2191,7 +2269,9 @@
       <p:sp>
         <p:nvSpPr>
           <p:cNvPr id="80" name="Body Level One…"/>
-          <p:cNvSpPr txBox="1"/>
+          <p:cNvSpPr txBox="1">
+            <a:spLocks noGrp="1"/>
+          </p:cNvSpPr>
           <p:nvPr>
             <p:ph type="body" sz="quarter" idx="1"/>
           </p:nvPr>
@@ -2265,7 +2345,6 @@
             </a:lvl5pPr>
           </a:lstStyle>
           <a:p>
-            <a:pPr/>
             <a:r>
               <a:t>Body Level One</a:t>
             </a:r>
@@ -2299,7 +2378,9 @@
       <p:sp>
         <p:nvSpPr>
           <p:cNvPr id="81" name="Slide Number"/>
-          <p:cNvSpPr txBox="1"/>
+          <p:cNvSpPr txBox="1">
+            <a:spLocks noGrp="1"/>
+          </p:cNvSpPr>
           <p:nvPr>
             <p:ph type="sldNum" sz="quarter" idx="2"/>
           </p:nvPr>
@@ -2313,8 +2394,10 @@
           <a:bodyPr/>
           <a:lstStyle/>
           <a:p>
-            <a:pPr/>
-            <a:fld id="{86CB4B4D-7CA3-9044-876B-883B54F8677D}" type="slidenum"/>
+            <a:fld id="{86CB4B4D-7CA3-9044-876B-883B54F8677D}" type="slidenum">
+              <a:t>‹N°›</a:t>
+            </a:fld>
+            <a:endParaRPr/>
           </a:p>
         </p:txBody>
       </p:sp>
@@ -2323,22 +2406,23 @@
   <p:clrMapOvr>
     <a:masterClrMapping/>
   </p:clrMapOvr>
-  <p:transition xmlns:p14="http://schemas.microsoft.com/office/powerpoint/2010/main" spd="med" advClick="1"/>
+  <p:transition spd="med"/>
 </p:sldLayout>
 </file>
 
 <file path=ppt/slideMasters/slideMaster1.xml><?xml version="1.0" encoding="utf-8"?>
-<p:sldMaster xmlns:a="http://schemas.openxmlformats.org/drawingml/2006/main" xmlns:r="http://schemas.openxmlformats.org/officeDocument/2006/relationships" xmlns:p="http://schemas.openxmlformats.org/presentationml/2006/main" xmlns:m="http://schemas.openxmlformats.org/officeDocument/2006/math" xmlns:a14="http://schemas.microsoft.com/office/drawing/2010/main">
+<p:sldMaster xmlns:a="http://schemas.openxmlformats.org/drawingml/2006/main" xmlns:r="http://schemas.openxmlformats.org/officeDocument/2006/relationships" xmlns:p="http://schemas.openxmlformats.org/presentationml/2006/main">
   <p:cSld>
     <p:bg>
       <p:bgPr>
         <a:blipFill rotWithShape="1">
-          <a:blip r:embed="rId2"/>
-          <a:srcRect l="0" t="0" r="0" b="0"/>
+          <a:blip r:embed="rId14"/>
+          <a:srcRect/>
           <a:stretch>
             <a:fillRect/>
           </a:stretch>
         </a:blipFill>
+        <a:effectLst/>
       </p:bgPr>
     </p:bg>
     <p:spTree>
@@ -2358,7 +2442,9 @@
       <p:sp>
         <p:nvSpPr>
           <p:cNvPr id="2" name="Title Text"/>
-          <p:cNvSpPr txBox="1"/>
+          <p:cNvSpPr txBox="1">
+            <a:spLocks noGrp="1"/>
+          </p:cNvSpPr>
           <p:nvPr>
             <p:ph type="title"/>
           </p:nvPr>
@@ -2376,7 +2462,7 @@
           </a:ln>
           <a:extLst>
             <a:ext uri="{C572A759-6A51-4108-AA02-DFA0A04FC94B}">
-              <ma14:wrappingTextBoxFlag xmlns:ma14="http://schemas.microsoft.com/office/mac/drawingml/2011/main" val="1"/>
+              <ma14:wrappingTextBoxFlag xmlns:ma14="http://schemas.microsoft.com/office/mac/drawingml/2011/main" xmlns:a14="http://schemas.microsoft.com/office/drawing/2010/main" xmlns:m="http://schemas.openxmlformats.org/officeDocument/2006/math" xmlns="" val="1"/>
             </a:ext>
           </a:extLst>
         </p:spPr>
@@ -2384,7 +2470,6 @@
           <a:bodyPr lIns="50800" tIns="50800" rIns="50800" bIns="50800" anchor="ctr"/>
           <a:lstStyle/>
           <a:p>
-            <a:pPr/>
             <a:r>
               <a:t>Title Text</a:t>
             </a:r>
@@ -2394,7 +2479,9 @@
       <p:sp>
         <p:nvSpPr>
           <p:cNvPr id="3" name="Body Level One…"/>
-          <p:cNvSpPr txBox="1"/>
+          <p:cNvSpPr txBox="1">
+            <a:spLocks noGrp="1"/>
+          </p:cNvSpPr>
           <p:nvPr>
             <p:ph type="body" idx="1"/>
           </p:nvPr>
@@ -2412,7 +2499,7 @@
           </a:ln>
           <a:extLst>
             <a:ext uri="{C572A759-6A51-4108-AA02-DFA0A04FC94B}">
-              <ma14:wrappingTextBoxFlag xmlns:ma14="http://schemas.microsoft.com/office/mac/drawingml/2011/main" val="1"/>
+              <ma14:wrappingTextBoxFlag xmlns:ma14="http://schemas.microsoft.com/office/mac/drawingml/2011/main" xmlns:a14="http://schemas.microsoft.com/office/drawing/2010/main" xmlns:m="http://schemas.openxmlformats.org/officeDocument/2006/math" xmlns="" val="1"/>
             </a:ext>
           </a:extLst>
         </p:spPr>
@@ -2421,12 +2508,12 @@
           <a:lstStyle>
             <a:lvl1pPr>
               <a:buBlip>
-                <a:blip r:embed="rId3"/>
+                <a:blip r:embed="rId15"/>
               </a:buBlip>
             </a:lvl1pPr>
             <a:lvl2pPr>
               <a:buBlip>
-                <a:blip r:embed="rId3"/>
+                <a:blip r:embed="rId15"/>
               </a:buBlip>
               <a:tabLst>
                 <a:tab pos="1981200" algn="l"/>
@@ -2434,7 +2521,7 @@
             </a:lvl2pPr>
             <a:lvl3pPr>
               <a:buBlip>
-                <a:blip r:embed="rId3"/>
+                <a:blip r:embed="rId15"/>
               </a:buBlip>
               <a:tabLst>
                 <a:tab pos="2425700" algn="l"/>
@@ -2442,7 +2529,7 @@
             </a:lvl3pPr>
             <a:lvl4pPr>
               <a:buBlip>
-                <a:blip r:embed="rId3"/>
+                <a:blip r:embed="rId15"/>
               </a:buBlip>
               <a:tabLst>
                 <a:tab pos="2882900" algn="l"/>
@@ -2450,7 +2537,7 @@
             </a:lvl4pPr>
             <a:lvl5pPr>
               <a:buBlip>
-                <a:blip r:embed="rId3"/>
+                <a:blip r:embed="rId15"/>
               </a:buBlip>
               <a:tabLst>
                 <a:tab pos="3340100" algn="l"/>
@@ -2458,7 +2545,6 @@
             </a:lvl5pPr>
           </a:lstStyle>
           <a:p>
-            <a:pPr/>
             <a:r>
               <a:t>Body Level One</a:t>
             </a:r>
@@ -2492,7 +2578,9 @@
       <p:sp>
         <p:nvSpPr>
           <p:cNvPr id="4" name="Slide Number"/>
-          <p:cNvSpPr txBox="1"/>
+          <p:cNvSpPr txBox="1">
+            <a:spLocks noGrp="1"/>
+          </p:cNvSpPr>
           <p:nvPr>
             <p:ph type="sldNum" sz="quarter" idx="2"/>
           </p:nvPr>
@@ -2515,12 +2603,14 @@
           </a:bodyPr>
           <a:lstStyle>
             <a:lvl1pPr>
-              <a:defRPr spc="-20" sz="1800"/>
+              <a:defRPr sz="1800" spc="-20"/>
             </a:lvl1pPr>
           </a:lstStyle>
           <a:p>
-            <a:pPr/>
-            <a:fld id="{86CB4B4D-7CA3-9044-876B-883B54F8677D}" type="slidenum"/>
+            <a:fld id="{86CB4B4D-7CA3-9044-876B-883B54F8677D}" type="slidenum">
+              <a:t>‹N°›</a:t>
+            </a:fld>
+            <a:endParaRPr/>
           </a:p>
         </p:txBody>
       </p:sp>
@@ -2528,20 +2618,20 @@
   </p:cSld>
   <p:clrMap bg1="dk1" tx1="lt1" bg2="dk2" tx2="lt2" accent1="accent1" accent2="accent2" accent3="accent3" accent4="accent4" accent5="accent5" accent6="accent6" hlink="hlink" folHlink="folHlink"/>
   <p:sldLayoutIdLst>
-    <p:sldLayoutId id="2147483649" r:id="rId4"/>
-    <p:sldLayoutId id="2147483650" r:id="rId5"/>
-    <p:sldLayoutId id="2147483651" r:id="rId6"/>
-    <p:sldLayoutId id="2147483652" r:id="rId7"/>
-    <p:sldLayoutId id="2147483653" r:id="rId8"/>
-    <p:sldLayoutId id="2147483654" r:id="rId9"/>
-    <p:sldLayoutId id="2147483655" r:id="rId10"/>
-    <p:sldLayoutId id="2147483656" r:id="rId11"/>
-    <p:sldLayoutId id="2147483657" r:id="rId12"/>
-    <p:sldLayoutId id="2147483658" r:id="rId13"/>
-    <p:sldLayoutId id="2147483659" r:id="rId14"/>
-    <p:sldLayoutId id="2147483660" r:id="rId15"/>
+    <p:sldLayoutId id="2147483649" r:id="rId1"/>
+    <p:sldLayoutId id="2147483650" r:id="rId2"/>
+    <p:sldLayoutId id="2147483651" r:id="rId3"/>
+    <p:sldLayoutId id="2147483652" r:id="rId4"/>
+    <p:sldLayoutId id="2147483653" r:id="rId5"/>
+    <p:sldLayoutId id="2147483654" r:id="rId6"/>
+    <p:sldLayoutId id="2147483655" r:id="rId7"/>
+    <p:sldLayoutId id="2147483656" r:id="rId8"/>
+    <p:sldLayoutId id="2147483657" r:id="rId9"/>
+    <p:sldLayoutId id="2147483658" r:id="rId10"/>
+    <p:sldLayoutId id="2147483659" r:id="rId11"/>
+    <p:sldLayoutId id="2147483660" r:id="rId12"/>
   </p:sldLayoutIdLst>
-  <p:transition xmlns:p14="http://schemas.microsoft.com/office/powerpoint/2010/main" spd="med" advClick="1"/>
+  <p:transition spd="med"/>
   <p:txStyles>
     <p:titleStyle>
       <a:lvl1pPr marL="0" marR="0" indent="0" algn="ctr" defTabSz="584200" rtl="0" latinLnBrk="0">
@@ -2559,7 +2649,7 @@
         <a:buFontTx/>
         <a:buNone/>
         <a:tabLst/>
-        <a:defRPr b="0" baseline="0" cap="none" i="0" spc="0" strike="noStrike" sz="6400" u="none">
+        <a:defRPr sz="6400" b="0" i="0" u="none" strike="noStrike" cap="none" spc="0" baseline="0">
           <a:solidFill>
             <a:srgbClr val="000000"/>
           </a:solidFill>
@@ -2585,7 +2675,7 @@
         <a:buFontTx/>
         <a:buNone/>
         <a:tabLst/>
-        <a:defRPr b="0" baseline="0" cap="none" i="0" spc="0" strike="noStrike" sz="6400" u="none">
+        <a:defRPr sz="6400" b="0" i="0" u="none" strike="noStrike" cap="none" spc="0" baseline="0">
           <a:solidFill>
             <a:srgbClr val="000000"/>
           </a:solidFill>
@@ -2611,7 +2701,7 @@
         <a:buFontTx/>
         <a:buNone/>
         <a:tabLst/>
-        <a:defRPr b="0" baseline="0" cap="none" i="0" spc="0" strike="noStrike" sz="6400" u="none">
+        <a:defRPr sz="6400" b="0" i="0" u="none" strike="noStrike" cap="none" spc="0" baseline="0">
           <a:solidFill>
             <a:srgbClr val="000000"/>
           </a:solidFill>
@@ -2637,7 +2727,7 @@
         <a:buFontTx/>
         <a:buNone/>
         <a:tabLst/>
-        <a:defRPr b="0" baseline="0" cap="none" i="0" spc="0" strike="noStrike" sz="6400" u="none">
+        <a:defRPr sz="6400" b="0" i="0" u="none" strike="noStrike" cap="none" spc="0" baseline="0">
           <a:solidFill>
             <a:srgbClr val="000000"/>
           </a:solidFill>
@@ -2663,7 +2753,7 @@
         <a:buFontTx/>
         <a:buNone/>
         <a:tabLst/>
-        <a:defRPr b="0" baseline="0" cap="none" i="0" spc="0" strike="noStrike" sz="6400" u="none">
+        <a:defRPr sz="6400" b="0" i="0" u="none" strike="noStrike" cap="none" spc="0" baseline="0">
           <a:solidFill>
             <a:srgbClr val="000000"/>
           </a:solidFill>
@@ -2689,7 +2779,7 @@
         <a:buFontTx/>
         <a:buNone/>
         <a:tabLst/>
-        <a:defRPr b="0" baseline="0" cap="none" i="0" spc="0" strike="noStrike" sz="6400" u="none">
+        <a:defRPr sz="6400" b="0" i="0" u="none" strike="noStrike" cap="none" spc="0" baseline="0">
           <a:solidFill>
             <a:srgbClr val="000000"/>
           </a:solidFill>
@@ -2715,7 +2805,7 @@
         <a:buFontTx/>
         <a:buNone/>
         <a:tabLst/>
-        <a:defRPr b="0" baseline="0" cap="none" i="0" spc="0" strike="noStrike" sz="6400" u="none">
+        <a:defRPr sz="6400" b="0" i="0" u="none" strike="noStrike" cap="none" spc="0" baseline="0">
           <a:solidFill>
             <a:srgbClr val="000000"/>
           </a:solidFill>
@@ -2741,7 +2831,7 @@
         <a:buFontTx/>
         <a:buNone/>
         <a:tabLst/>
-        <a:defRPr b="0" baseline="0" cap="none" i="0" spc="0" strike="noStrike" sz="6400" u="none">
+        <a:defRPr sz="6400" b="0" i="0" u="none" strike="noStrike" cap="none" spc="0" baseline="0">
           <a:solidFill>
             <a:srgbClr val="000000"/>
           </a:solidFill>
@@ -2767,7 +2857,7 @@
         <a:buFontTx/>
         <a:buNone/>
         <a:tabLst/>
-        <a:defRPr b="0" baseline="0" cap="none" i="0" spc="0" strike="noStrike" sz="6400" u="none">
+        <a:defRPr sz="6400" b="0" i="0" u="none" strike="noStrike" cap="none" spc="0" baseline="0">
           <a:solidFill>
             <a:srgbClr val="000000"/>
           </a:solidFill>
@@ -2794,12 +2884,12 @@
         <a:buSzPct val="34000"/>
         <a:buFontTx/>
         <a:buBlip>
-          <a:blip r:embed="rId3"/>
+          <a:blip r:embed="rId15"/>
         </a:buBlip>
         <a:tabLst>
           <a:tab pos="1524000" algn="l"/>
         </a:tabLst>
-        <a:defRPr b="0" baseline="0" cap="none" i="0" spc="0" strike="noStrike" sz="4200" u="none">
+        <a:defRPr sz="4200" b="0" i="0" u="none" strike="noStrike" cap="none" spc="0" baseline="0">
           <a:solidFill>
             <a:srgbClr val="000000"/>
           </a:solidFill>
@@ -2824,12 +2914,12 @@
         <a:buSzPct val="34000"/>
         <a:buFontTx/>
         <a:buBlip>
-          <a:blip r:embed="rId3"/>
+          <a:blip r:embed="rId15"/>
         </a:buBlip>
         <a:tabLst>
           <a:tab pos="1524000" algn="l"/>
         </a:tabLst>
-        <a:defRPr b="0" baseline="0" cap="none" i="0" spc="0" strike="noStrike" sz="4200" u="none">
+        <a:defRPr sz="4200" b="0" i="0" u="none" strike="noStrike" cap="none" spc="0" baseline="0">
           <a:solidFill>
             <a:srgbClr val="000000"/>
           </a:solidFill>
@@ -2854,12 +2944,12 @@
         <a:buSzPct val="34000"/>
         <a:buFontTx/>
         <a:buBlip>
-          <a:blip r:embed="rId3"/>
+          <a:blip r:embed="rId15"/>
         </a:buBlip>
         <a:tabLst>
           <a:tab pos="1524000" algn="l"/>
         </a:tabLst>
-        <a:defRPr b="0" baseline="0" cap="none" i="0" spc="0" strike="noStrike" sz="4200" u="none">
+        <a:defRPr sz="4200" b="0" i="0" u="none" strike="noStrike" cap="none" spc="0" baseline="0">
           <a:solidFill>
             <a:srgbClr val="000000"/>
           </a:solidFill>
@@ -2884,12 +2974,12 @@
         <a:buSzPct val="34000"/>
         <a:buFontTx/>
         <a:buBlip>
-          <a:blip r:embed="rId3"/>
+          <a:blip r:embed="rId15"/>
         </a:buBlip>
         <a:tabLst>
           <a:tab pos="1524000" algn="l"/>
         </a:tabLst>
-        <a:defRPr b="0" baseline="0" cap="none" i="0" spc="0" strike="noStrike" sz="4200" u="none">
+        <a:defRPr sz="4200" b="0" i="0" u="none" strike="noStrike" cap="none" spc="0" baseline="0">
           <a:solidFill>
             <a:srgbClr val="000000"/>
           </a:solidFill>
@@ -2914,12 +3004,12 @@
         <a:buSzPct val="34000"/>
         <a:buFontTx/>
         <a:buBlip>
-          <a:blip r:embed="rId3"/>
+          <a:blip r:embed="rId15"/>
         </a:buBlip>
         <a:tabLst>
           <a:tab pos="1524000" algn="l"/>
         </a:tabLst>
-        <a:defRPr b="0" baseline="0" cap="none" i="0" spc="0" strike="noStrike" sz="4200" u="none">
+        <a:defRPr sz="4200" b="0" i="0" u="none" strike="noStrike" cap="none" spc="0" baseline="0">
           <a:solidFill>
             <a:srgbClr val="000000"/>
           </a:solidFill>
@@ -2944,12 +3034,12 @@
         <a:buSzPct val="34000"/>
         <a:buFontTx/>
         <a:buBlip>
-          <a:blip r:embed="rId3"/>
+          <a:blip r:embed="rId15"/>
         </a:buBlip>
         <a:tabLst>
           <a:tab pos="1524000" algn="l"/>
         </a:tabLst>
-        <a:defRPr b="0" baseline="0" cap="none" i="0" spc="0" strike="noStrike" sz="4200" u="none">
+        <a:defRPr sz="4200" b="0" i="0" u="none" strike="noStrike" cap="none" spc="0" baseline="0">
           <a:solidFill>
             <a:srgbClr val="000000"/>
           </a:solidFill>
@@ -2974,12 +3064,12 @@
         <a:buSzPct val="34000"/>
         <a:buFontTx/>
         <a:buBlip>
-          <a:blip r:embed="rId3"/>
+          <a:blip r:embed="rId15"/>
         </a:buBlip>
         <a:tabLst>
           <a:tab pos="1524000" algn="l"/>
         </a:tabLst>
-        <a:defRPr b="0" baseline="0" cap="none" i="0" spc="0" strike="noStrike" sz="4200" u="none">
+        <a:defRPr sz="4200" b="0" i="0" u="none" strike="noStrike" cap="none" spc="0" baseline="0">
           <a:solidFill>
             <a:srgbClr val="000000"/>
           </a:solidFill>
@@ -3004,12 +3094,12 @@
         <a:buSzPct val="34000"/>
         <a:buFontTx/>
         <a:buBlip>
-          <a:blip r:embed="rId3"/>
+          <a:blip r:embed="rId15"/>
         </a:buBlip>
         <a:tabLst>
           <a:tab pos="1524000" algn="l"/>
         </a:tabLst>
-        <a:defRPr b="0" baseline="0" cap="none" i="0" spc="0" strike="noStrike" sz="4200" u="none">
+        <a:defRPr sz="4200" b="0" i="0" u="none" strike="noStrike" cap="none" spc="0" baseline="0">
           <a:solidFill>
             <a:srgbClr val="000000"/>
           </a:solidFill>
@@ -3034,12 +3124,12 @@
         <a:buSzPct val="34000"/>
         <a:buFontTx/>
         <a:buBlip>
-          <a:blip r:embed="rId3"/>
+          <a:blip r:embed="rId15"/>
         </a:buBlip>
         <a:tabLst>
           <a:tab pos="1524000" algn="l"/>
         </a:tabLst>
-        <a:defRPr b="0" baseline="0" cap="none" i="0" spc="0" strike="noStrike" sz="4200" u="none">
+        <a:defRPr sz="4200" b="0" i="0" u="none" strike="noStrike" cap="none" spc="0" baseline="0">
           <a:solidFill>
             <a:srgbClr val="000000"/>
           </a:solidFill>
@@ -3067,7 +3157,7 @@
         <a:buFontTx/>
         <a:buNone/>
         <a:tabLst/>
-        <a:defRPr b="0" baseline="0" cap="none" i="0" spc="-20" strike="noStrike" sz="1800" u="none">
+        <a:defRPr sz="1800" b="0" i="0" u="none" strike="noStrike" cap="none" spc="-20" baseline="0">
           <a:solidFill>
             <a:schemeClr val="tx1"/>
           </a:solidFill>
@@ -3093,7 +3183,7 @@
         <a:buFontTx/>
         <a:buNone/>
         <a:tabLst/>
-        <a:defRPr b="0" baseline="0" cap="none" i="0" spc="-20" strike="noStrike" sz="1800" u="none">
+        <a:defRPr sz="1800" b="0" i="0" u="none" strike="noStrike" cap="none" spc="-20" baseline="0">
           <a:solidFill>
             <a:schemeClr val="tx1"/>
           </a:solidFill>
@@ -3119,7 +3209,7 @@
         <a:buFontTx/>
         <a:buNone/>
         <a:tabLst/>
-        <a:defRPr b="0" baseline="0" cap="none" i="0" spc="-20" strike="noStrike" sz="1800" u="none">
+        <a:defRPr sz="1800" b="0" i="0" u="none" strike="noStrike" cap="none" spc="-20" baseline="0">
           <a:solidFill>
             <a:schemeClr val="tx1"/>
           </a:solidFill>
@@ -3145,7 +3235,7 @@
         <a:buFontTx/>
         <a:buNone/>
         <a:tabLst/>
-        <a:defRPr b="0" baseline="0" cap="none" i="0" spc="-20" strike="noStrike" sz="1800" u="none">
+        <a:defRPr sz="1800" b="0" i="0" u="none" strike="noStrike" cap="none" spc="-20" baseline="0">
           <a:solidFill>
             <a:schemeClr val="tx1"/>
           </a:solidFill>
@@ -3171,7 +3261,7 @@
         <a:buFontTx/>
         <a:buNone/>
         <a:tabLst/>
-        <a:defRPr b="0" baseline="0" cap="none" i="0" spc="-20" strike="noStrike" sz="1800" u="none">
+        <a:defRPr sz="1800" b="0" i="0" u="none" strike="noStrike" cap="none" spc="-20" baseline="0">
           <a:solidFill>
             <a:schemeClr val="tx1"/>
           </a:solidFill>
@@ -3197,7 +3287,7 @@
         <a:buFontTx/>
         <a:buNone/>
         <a:tabLst/>
-        <a:defRPr b="0" baseline="0" cap="none" i="0" spc="-20" strike="noStrike" sz="1800" u="none">
+        <a:defRPr sz="1800" b="0" i="0" u="none" strike="noStrike" cap="none" spc="-20" baseline="0">
           <a:solidFill>
             <a:schemeClr val="tx1"/>
           </a:solidFill>
@@ -3223,7 +3313,7 @@
         <a:buFontTx/>
         <a:buNone/>
         <a:tabLst/>
-        <a:defRPr b="0" baseline="0" cap="none" i="0" spc="-20" strike="noStrike" sz="1800" u="none">
+        <a:defRPr sz="1800" b="0" i="0" u="none" strike="noStrike" cap="none" spc="-20" baseline="0">
           <a:solidFill>
             <a:schemeClr val="tx1"/>
           </a:solidFill>
@@ -3249,7 +3339,7 @@
         <a:buFontTx/>
         <a:buNone/>
         <a:tabLst/>
-        <a:defRPr b="0" baseline="0" cap="none" i="0" spc="-20" strike="noStrike" sz="1800" u="none">
+        <a:defRPr sz="1800" b="0" i="0" u="none" strike="noStrike" cap="none" spc="-20" baseline="0">
           <a:solidFill>
             <a:schemeClr val="tx1"/>
           </a:solidFill>
@@ -3275,7 +3365,7 @@
         <a:buFontTx/>
         <a:buNone/>
         <a:tabLst/>
-        <a:defRPr b="0" baseline="0" cap="none" i="0" spc="-20" strike="noStrike" sz="1800" u="none">
+        <a:defRPr sz="1800" b="0" i="0" u="none" strike="noStrike" cap="none" spc="-20" baseline="0">
           <a:solidFill>
             <a:schemeClr val="tx1"/>
           </a:solidFill>
@@ -3292,7 +3382,7 @@
 </file>
 
 <file path=ppt/slides/slide1.xml><?xml version="1.0" encoding="utf-8"?>
-<p:sld xmlns:a="http://schemas.openxmlformats.org/drawingml/2006/main" xmlns:r="http://schemas.openxmlformats.org/officeDocument/2006/relationships" xmlns:p="http://schemas.openxmlformats.org/presentationml/2006/main" xmlns:m="http://schemas.openxmlformats.org/officeDocument/2006/math" xmlns:a14="http://schemas.microsoft.com/office/drawing/2010/main" showMasterSp="1" showMasterPhAnim="1">
+<p:sld xmlns:a="http://schemas.openxmlformats.org/drawingml/2006/main" xmlns:r="http://schemas.openxmlformats.org/officeDocument/2006/relationships" xmlns:p="http://schemas.openxmlformats.org/presentationml/2006/main">
   <p:cSld>
     <p:spTree>
       <p:nvGrpSpPr>
@@ -3311,7 +3401,9 @@
       <p:sp>
         <p:nvSpPr>
           <p:cNvPr id="118" name="La boucle «tant-que»"/>
-          <p:cNvSpPr txBox="1"/>
+          <p:cNvSpPr txBox="1">
+            <a:spLocks noGrp="1"/>
+          </p:cNvSpPr>
           <p:nvPr>
             <p:ph type="ctrTitle"/>
           </p:nvPr>
@@ -3325,7 +3417,6 @@
           <a:bodyPr/>
           <a:lstStyle/>
           <a:p>
-            <a:pPr/>
             <a:r>
               <a:t>La boucle «tant-que»</a:t>
             </a:r>
@@ -3335,7 +3426,9 @@
       <p:sp>
         <p:nvSpPr>
           <p:cNvPr id="119" name="Exemple d’intégration de codeBoot et Keynote"/>
-          <p:cNvSpPr txBox="1"/>
+          <p:cNvSpPr txBox="1">
+            <a:spLocks noGrp="1"/>
+          </p:cNvSpPr>
           <p:nvPr>
             <p:ph type="subTitle" sz="quarter" idx="1"/>
           </p:nvPr>
@@ -3349,10 +3442,35 @@
           <a:bodyPr/>
           <a:lstStyle/>
           <a:p>
-            <a:pPr/>
-            <a:r>
-              <a:t>Exemple d’intégration de codeBoot et Keynote</a:t>
-            </a:r>
+            <a:r>
+              <a:rPr dirty="0" err="1"/>
+              <a:t>Exemple</a:t>
+            </a:r>
+            <a:r>
+              <a:rPr dirty="0"/>
+              <a:t> </a:t>
+            </a:r>
+            <a:r>
+              <a:rPr dirty="0" err="1"/>
+              <a:t>d’intégration</a:t>
+            </a:r>
+            <a:r>
+              <a:rPr dirty="0"/>
+              <a:t> de </a:t>
+            </a:r>
+            <a:r>
+              <a:rPr dirty="0" err="1"/>
+              <a:t>codeBoot</a:t>
+            </a:r>
+            <a:r>
+              <a:rPr dirty="0"/>
+              <a:t> et </a:t>
+            </a:r>
+            <a:r>
+              <a:rPr lang="fr-CA" dirty="0"/>
+              <a:t>PowerPoint</a:t>
+            </a:r>
+            <a:endParaRPr dirty="0"/>
           </a:p>
         </p:txBody>
       </p:sp>
@@ -3361,12 +3479,12 @@
   <p:clrMapOvr>
     <a:masterClrMapping/>
   </p:clrMapOvr>
-  <p:transition xmlns:p14="http://schemas.microsoft.com/office/powerpoint/2010/main" spd="med" advClick="1"/>
+  <p:transition spd="med"/>
 </p:sld>
 </file>
 
 <file path=ppt/slides/slide2.xml><?xml version="1.0" encoding="utf-8"?>
-<p:sld xmlns:a="http://schemas.openxmlformats.org/drawingml/2006/main" xmlns:r="http://schemas.openxmlformats.org/officeDocument/2006/relationships" xmlns:p="http://schemas.openxmlformats.org/presentationml/2006/main" xmlns:m="http://schemas.openxmlformats.org/officeDocument/2006/math" xmlns:a14="http://schemas.microsoft.com/office/drawing/2010/main" showMasterSp="1" showMasterPhAnim="1">
+<p:sld xmlns:a="http://schemas.openxmlformats.org/drawingml/2006/main" xmlns:r="http://schemas.openxmlformats.org/officeDocument/2006/relationships" xmlns:p="http://schemas.openxmlformats.org/presentationml/2006/main">
   <p:cSld>
     <p:spTree>
       <p:nvGrpSpPr>
@@ -3385,7 +3503,9 @@
       <p:sp>
         <p:nvSpPr>
           <p:cNvPr id="121" name="Racine carrée"/>
-          <p:cNvSpPr txBox="1"/>
+          <p:cNvSpPr txBox="1">
+            <a:spLocks noGrp="1"/>
+          </p:cNvSpPr>
           <p:nvPr>
             <p:ph type="title"/>
           </p:nvPr>
@@ -3399,7 +3519,6 @@
           <a:bodyPr/>
           <a:lstStyle/>
           <a:p>
-            <a:pPr/>
             <a:r>
               <a:t>Racine carrée</a:t>
             </a:r>
@@ -3409,7 +3528,9 @@
       <p:sp>
         <p:nvSpPr>
           <p:cNvPr id="122" name="Exemple : calcul de la racine carrée d’un nombre par approximation successive (méthode de Newton) sans utiliser math.sqrt"/>
-          <p:cNvSpPr txBox="1"/>
+          <p:cNvSpPr txBox="1">
+            <a:spLocks noGrp="1"/>
+          </p:cNvSpPr>
           <p:nvPr>
             <p:ph type="body" sz="half" idx="1"/>
           </p:nvPr>
@@ -3478,7 +3599,7 @@
             <a:miter lim="400000"/>
           </a:ln>
           <a:effectLst>
-            <a:outerShdw sx="100000" sy="100000" kx="0" ky="0" algn="b" rotWithShape="0" blurRad="63500" dist="25400" dir="5400000">
+            <a:outerShdw blurRad="63500" dist="25400" dir="5400000" rotWithShape="0">
               <a:srgbClr val="000000">
                 <a:alpha val="50000"/>
               </a:srgbClr>
@@ -3486,7 +3607,7 @@
           </a:effectLst>
           <a:extLst>
             <a:ext uri="{C572A759-6A51-4108-AA02-DFA0A04FC94B}">
-              <ma14:wrappingTextBoxFlag xmlns:ma14="http://schemas.microsoft.com/office/mac/drawingml/2011/main" val="1"/>
+              <ma14:wrappingTextBoxFlag xmlns:ma14="http://schemas.microsoft.com/office/mac/drawingml/2011/main" xmlns:a14="http://schemas.microsoft.com/office/drawing/2010/main" xmlns:m="http://schemas.openxmlformats.org/officeDocument/2006/math" xmlns="" val="1"/>
             </a:ext>
           </a:extLst>
         </p:spPr>
@@ -3509,7 +3630,7 @@
             </a:pPr>
             <a:r>
               <a:rPr>
-                <a:hlinkClick r:id="rId3" invalidUrl="" action="" tgtFrame="" tooltip="" history="1" highlightClick="0" endSnd="0"/>
+                <a:hlinkClick r:id="rId3"/>
               </a:rPr>
               <a:t>Exécuter racine1</a:t>
             </a:r>
@@ -3527,6 +3648,7 @@
                 <a:sym typeface="Times Roman"/>
               </a:defRPr>
             </a:pPr>
+            <a:endParaRPr u="none"/>
           </a:p>
           <a:p>
             <a:pPr algn="l" defTabSz="457200">
@@ -3598,6 +3720,11 @@
                 <a:sym typeface="Courier"/>
               </a:defRPr>
             </a:pPr>
+            <a:endParaRPr>
+              <a:solidFill>
+                <a:srgbClr val="010101"/>
+              </a:solidFill>
+            </a:endParaRPr>
           </a:p>
           <a:p>
             <a:pPr algn="l" defTabSz="457200">
@@ -3744,6 +3871,7 @@
                 <a:sym typeface="Courier"/>
               </a:defRPr>
             </a:pPr>
+            <a:endParaRPr/>
           </a:p>
           <a:p>
             <a:pPr algn="l" defTabSz="457200">
@@ -3801,7 +3929,7 @@
           </a:ln>
           <a:extLst>
             <a:ext uri="{C572A759-6A51-4108-AA02-DFA0A04FC94B}">
-              <ma14:wrappingTextBoxFlag xmlns:ma14="http://schemas.microsoft.com/office/mac/drawingml/2011/main" val="1"/>
+              <ma14:wrappingTextBoxFlag xmlns:ma14="http://schemas.microsoft.com/office/mac/drawingml/2011/main" xmlns:a14="http://schemas.microsoft.com/office/drawing/2010/main" xmlns:m="http://schemas.openxmlformats.org/officeDocument/2006/math" xmlns="" val="1"/>
             </a:ext>
           </a:extLst>
         </p:spPr>
@@ -3812,7 +3940,7 @@
           <a:lstStyle/>
           <a:p>
             <a:pPr algn="l" defTabSz="914400">
-              <a:defRPr b="1" sz="1800">
+              <a:defRPr sz="1800" b="1">
                 <a:solidFill>
                   <a:srgbClr val="000000"/>
                 </a:solidFill>
@@ -3857,7 +3985,7 @@
           </a:ln>
           <a:extLst>
             <a:ext uri="{C572A759-6A51-4108-AA02-DFA0A04FC94B}">
-              <ma14:wrappingTextBoxFlag xmlns:ma14="http://schemas.microsoft.com/office/mac/drawingml/2011/main" val="1"/>
+              <ma14:wrappingTextBoxFlag xmlns:ma14="http://schemas.microsoft.com/office/mac/drawingml/2011/main" xmlns:a14="http://schemas.microsoft.com/office/drawing/2010/main" xmlns:m="http://schemas.openxmlformats.org/officeDocument/2006/math" xmlns="" val="1"/>
             </a:ext>
           </a:extLst>
         </p:spPr>
@@ -3868,7 +3996,7 @@
           <a:lstStyle/>
           <a:p>
             <a:pPr algn="l" defTabSz="914400">
-              <a:defRPr i="1" sz="1800">
+              <a:defRPr sz="1800" i="1">
                 <a:solidFill>
                   <a:srgbClr val="000000"/>
                 </a:solidFill>
@@ -3908,10 +4036,10 @@
         </p:nvGrpSpPr>
         <p:grpSpPr>
           <a:xfrm>
-            <a:off x="5582354" y="7801880"/>
-            <a:ext cx="7378540" cy="1930401"/>
-            <a:chOff x="0" y="0"/>
-            <a:chExt cx="7378538" cy="1930400"/>
+            <a:off x="5582354" y="7852679"/>
+            <a:ext cx="7418698" cy="1828802"/>
+            <a:chOff x="0" y="50799"/>
+            <a:chExt cx="7418696" cy="1828801"/>
           </a:xfrm>
         </p:grpSpPr>
         <p:sp>
@@ -3950,6 +4078,7 @@
                   </a:solidFill>
                 </a:defRPr>
               </a:pPr>
+              <a:endParaRPr/>
             </a:p>
           </p:txBody>
         </p:sp>
@@ -3961,8 +4090,8 @@
           </p:nvSpPr>
           <p:spPr>
             <a:xfrm>
-              <a:off x="0" y="0"/>
-              <a:ext cx="7199499" cy="1930400"/>
+              <a:off x="0" y="82907"/>
+              <a:ext cx="7418696" cy="1764585"/>
             </a:xfrm>
             <a:prstGeom prst="rect">
               <a:avLst/>
@@ -3975,7 +4104,7 @@
             <a:effectLst/>
             <a:extLst>
               <a:ext uri="{C572A759-6A51-4108-AA02-DFA0A04FC94B}">
-                <ma14:wrappingTextBoxFlag xmlns:ma14="http://schemas.microsoft.com/office/mac/drawingml/2011/main" val="1"/>
+                <ma14:wrappingTextBoxFlag xmlns:ma14="http://schemas.microsoft.com/office/mac/drawingml/2011/main" xmlns:a14="http://schemas.microsoft.com/office/drawing/2010/main" xmlns:m="http://schemas.openxmlformats.org/officeDocument/2006/math" xmlns="" val="1"/>
               </a:ext>
             </a:extLst>
           </p:spPr>
@@ -3993,13 +4122,70 @@
                 </a:defRPr>
               </a:pPr>
               <a:r>
-                <a:t>[Note aux enseignants] Cet exemple a été créé avec ces opérations :</a:t>
+                <a:rPr dirty="0"/>
+                <a:t>[Note aux </a:t>
+              </a:r>
+              <a:r>
+                <a:rPr dirty="0" err="1"/>
+                <a:t>enseignants</a:t>
+              </a:r>
+              <a:r>
+                <a:rPr dirty="0"/>
+                <a:t>] </a:t>
+              </a:r>
+              <a:r>
+                <a:rPr dirty="0" err="1"/>
+                <a:t>Cet</a:t>
+              </a:r>
+              <a:r>
+                <a:rPr dirty="0"/>
+                <a:t> </a:t>
+              </a:r>
+              <a:r>
+                <a:rPr dirty="0" err="1"/>
+                <a:t>exemple</a:t>
+              </a:r>
+              <a:r>
+                <a:rPr dirty="0"/>
+                <a:t> a </a:t>
+              </a:r>
+              <a:r>
+                <a:rPr dirty="0" err="1"/>
+                <a:t>été</a:t>
+              </a:r>
+              <a:r>
+                <a:rPr dirty="0"/>
+                <a:t> </a:t>
+              </a:r>
+              <a:r>
+                <a:rPr dirty="0" err="1"/>
+                <a:t>créé</a:t>
+              </a:r>
+              <a:r>
+                <a:rPr dirty="0"/>
+                <a:t> avec </a:t>
+              </a:r>
+              <a:r>
+                <a:rPr dirty="0" err="1"/>
+                <a:t>ces</a:t>
+              </a:r>
+              <a:r>
+                <a:rPr dirty="0"/>
+                <a:t> </a:t>
+              </a:r>
+              <a:r>
+                <a:rPr dirty="0" err="1"/>
+                <a:t>opérations</a:t>
+              </a:r>
+              <a:r>
+                <a:rPr dirty="0"/>
+                <a:t> :</a:t>
               </a:r>
             </a:p>
             <a:p>
               <a:pPr marL="317500" indent="-317500" algn="l">
                 <a:buSzPct val="100000"/>
-                <a:buAutoNum type="arabicParenR" startAt="1"/>
+                <a:buAutoNum type="arabicParenR"/>
                 <a:defRPr sz="1800">
                   <a:solidFill>
                     <a:srgbClr val="FFFFFF"/>
@@ -4007,28 +4193,148 @@
                 </a:defRPr>
               </a:pPr>
               <a:r>
-                <a:t>Dans codeBoot, éditer  le fichier de code puis faire un clic droit sur</a:t>
-              </a:r>
-              <a:br/>
-              <a:r>
-                <a:t>le bouton d’exécution puis choisir l’option «Visiter lien d’exécution</a:t>
-              </a:r>
-              <a:br/>
-              <a:r>
-                <a:t>ou copier au presse-papier : </a:t>
-              </a:r>
-              <a:r>
-                <a:rPr u="sng"/>
-                <a:t>Avec code sous forme de texte riche</a:t>
-              </a:r>
-              <a:r>
+                <a:rPr dirty="0"/>
+                <a:t>Dans </a:t>
+              </a:r>
+              <a:r>
+                <a:rPr dirty="0" err="1"/>
+                <a:t>codeBoot</a:t>
+              </a:r>
+              <a:r>
+                <a:rPr dirty="0"/>
+                <a:t>, </a:t>
+              </a:r>
+              <a:r>
+                <a:rPr dirty="0" err="1"/>
+                <a:t>éditer</a:t>
+              </a:r>
+              <a:r>
+                <a:rPr dirty="0"/>
+                <a:t>  le </a:t>
+              </a:r>
+              <a:r>
+                <a:rPr dirty="0" err="1"/>
+                <a:t>fichier</a:t>
+              </a:r>
+              <a:r>
+                <a:rPr dirty="0"/>
+                <a:t> de code </a:t>
+              </a:r>
+              <a:r>
+                <a:rPr dirty="0" err="1"/>
+                <a:t>puis</a:t>
+              </a:r>
+              <a:r>
+                <a:rPr dirty="0"/>
+                <a:t> faire un </a:t>
+              </a:r>
+              <a:r>
+                <a:rPr dirty="0" err="1"/>
+                <a:t>clic</a:t>
+              </a:r>
+              <a:r>
+                <a:rPr dirty="0"/>
+                <a:t> droit sur</a:t>
+              </a:r>
+              <a:br>
+                <a:rPr dirty="0"/>
+              </a:br>
+              <a:r>
+                <a:rPr dirty="0"/>
+                <a:t>le bouton </a:t>
+              </a:r>
+              <a:r>
+                <a:rPr dirty="0" err="1"/>
+                <a:t>d’exécution</a:t>
+              </a:r>
+              <a:r>
+                <a:rPr dirty="0"/>
+                <a:t> </a:t>
+              </a:r>
+              <a:r>
+                <a:rPr dirty="0" err="1"/>
+                <a:t>puis</a:t>
+              </a:r>
+              <a:r>
+                <a:rPr dirty="0"/>
+                <a:t> </a:t>
+              </a:r>
+              <a:r>
+                <a:rPr dirty="0" err="1"/>
+                <a:t>choisir</a:t>
+              </a:r>
+              <a:r>
+                <a:rPr dirty="0"/>
+                <a:t> </a:t>
+              </a:r>
+              <a:r>
+                <a:rPr dirty="0" err="1"/>
+                <a:t>l’option</a:t>
+              </a:r>
+              <a:r>
+                <a:rPr dirty="0"/>
+                <a:t> «</a:t>
+              </a:r>
+              <a:r>
+                <a:rPr dirty="0" err="1"/>
+                <a:t>Visiter</a:t>
+              </a:r>
+              <a:r>
+                <a:rPr dirty="0"/>
+                <a:t> lien </a:t>
+              </a:r>
+              <a:r>
+                <a:rPr dirty="0" err="1"/>
+                <a:t>d’exécution</a:t>
+              </a:r>
+              <a:br>
+                <a:rPr dirty="0"/>
+              </a:br>
+              <a:r>
+                <a:rPr dirty="0" err="1"/>
+                <a:t>ou</a:t>
+              </a:r>
+              <a:r>
+                <a:rPr dirty="0"/>
+                <a:t> copier au </a:t>
+              </a:r>
+              <a:r>
+                <a:rPr dirty="0" err="1"/>
+                <a:t>presse</a:t>
+              </a:r>
+              <a:r>
+                <a:rPr dirty="0"/>
+                <a:t>-papier : </a:t>
+              </a:r>
+              <a:r>
+                <a:rPr u="sng" dirty="0"/>
+                <a:t>Avec code sous </a:t>
+              </a:r>
+              <a:r>
+                <a:rPr u="sng" dirty="0" err="1"/>
+                <a:t>forme</a:t>
+              </a:r>
+              <a:r>
+                <a:rPr u="sng" dirty="0"/>
+                <a:t> de </a:t>
+              </a:r>
+              <a:r>
+                <a:rPr u="sng" dirty="0" err="1"/>
+                <a:t>texte</a:t>
+              </a:r>
+              <a:r>
+                <a:rPr u="sng" dirty="0"/>
+                <a:t> riche</a:t>
+              </a:r>
+              <a:r>
+                <a:rPr dirty="0"/>
                 <a:t>»</a:t>
               </a:r>
             </a:p>
             <a:p>
               <a:pPr marL="317500" indent="-317500" algn="l">
                 <a:buSzPct val="100000"/>
-                <a:buAutoNum type="arabicParenR" startAt="1"/>
+                <a:buAutoNum type="arabicParenR"/>
                 <a:defRPr sz="1800">
                   <a:solidFill>
                     <a:srgbClr val="FFFFFF"/>
@@ -4036,12 +4342,113 @@
                 </a:defRPr>
               </a:pPr>
               <a:r>
-                <a:t>Dans Keynote, créer une boîte de type «Texte» puis cliquer la boîte</a:t>
-              </a:r>
-              <a:br/>
-              <a:r>
-                <a:t>puis faire «coller» puis ajuster la couleur de fond, bordures, etc</a:t>
-              </a:r>
+                <a:rPr dirty="0"/>
+                <a:t>Dans </a:t>
+              </a:r>
+              <a:r>
+                <a:rPr lang="fr-CA" dirty="0"/>
+                <a:t>PowerPoint</a:t>
+              </a:r>
+              <a:r>
+                <a:rPr dirty="0"/>
+                <a:t>, </a:t>
+              </a:r>
+              <a:r>
+                <a:rPr dirty="0" err="1"/>
+                <a:t>créer</a:t>
+              </a:r>
+              <a:r>
+                <a:rPr dirty="0"/>
+                <a:t> </a:t>
+              </a:r>
+              <a:r>
+                <a:rPr dirty="0" err="1"/>
+                <a:t>une</a:t>
+              </a:r>
+              <a:r>
+                <a:rPr dirty="0"/>
+                <a:t> </a:t>
+              </a:r>
+              <a:r>
+                <a:rPr dirty="0" err="1"/>
+                <a:t>boîte</a:t>
+              </a:r>
+              <a:r>
+                <a:rPr dirty="0"/>
+                <a:t> de type «</a:t>
+              </a:r>
+              <a:r>
+                <a:rPr dirty="0" err="1"/>
+                <a:t>Texte</a:t>
+              </a:r>
+              <a:r>
+                <a:rPr dirty="0"/>
+                <a:t>» </a:t>
+              </a:r>
+              <a:r>
+                <a:rPr dirty="0" err="1"/>
+                <a:t>puis</a:t>
+              </a:r>
+              <a:r>
+                <a:rPr dirty="0"/>
+                <a:t> </a:t>
+              </a:r>
+              <a:r>
+                <a:rPr dirty="0" err="1"/>
+                <a:t>cliquer</a:t>
+              </a:r>
+              <a:r>
+                <a:rPr dirty="0"/>
+                <a:t> la</a:t>
+              </a:r>
+              <a:br>
+                <a:rPr lang="fr-CA" dirty="0"/>
+              </a:br>
+              <a:r>
+                <a:rPr dirty="0" err="1"/>
+                <a:t>boîte</a:t>
+              </a:r>
+              <a:r>
+                <a:rPr lang="fr-CA" dirty="0"/>
+                <a:t> </a:t>
+              </a:r>
+              <a:r>
+                <a:rPr dirty="0" err="1"/>
+                <a:t>puis</a:t>
+              </a:r>
+              <a:r>
+                <a:rPr dirty="0"/>
+                <a:t> faire «</a:t>
+              </a:r>
+              <a:r>
+                <a:rPr dirty="0" err="1"/>
+                <a:t>coller</a:t>
+              </a:r>
+              <a:r>
+                <a:rPr dirty="0"/>
+                <a:t>» </a:t>
+              </a:r>
+              <a:r>
+                <a:rPr dirty="0" err="1"/>
+                <a:t>puis</a:t>
+              </a:r>
+              <a:r>
+                <a:rPr dirty="0"/>
+                <a:t> </a:t>
+              </a:r>
+              <a:r>
+                <a:rPr dirty="0" err="1"/>
+                <a:t>ajuster</a:t>
+              </a:r>
+              <a:r>
+                <a:rPr dirty="0"/>
+                <a:t> la couleur de fond, bordures, </a:t>
+              </a:r>
+              <a:r>
+                <a:rPr dirty="0" err="1"/>
+                <a:t>etc</a:t>
+              </a:r>
+              <a:endParaRPr dirty="0"/>
             </a:p>
           </p:txBody>
         </p:sp>
@@ -4051,12 +4458,12 @@
   <p:clrMapOvr>
     <a:masterClrMapping/>
   </p:clrMapOvr>
-  <p:transition xmlns:p14="http://schemas.microsoft.com/office/powerpoint/2010/main" spd="med" advClick="1"/>
+  <p:transition spd="med"/>
 </p:sld>
 </file>
 
 <file path=ppt/slides/slide3.xml><?xml version="1.0" encoding="utf-8"?>
-<p:sld xmlns:a="http://schemas.openxmlformats.org/drawingml/2006/main" xmlns:r="http://schemas.openxmlformats.org/officeDocument/2006/relationships" xmlns:p="http://schemas.openxmlformats.org/presentationml/2006/main" xmlns:m="http://schemas.openxmlformats.org/officeDocument/2006/math" xmlns:a14="http://schemas.microsoft.com/office/drawing/2010/main" showMasterSp="1" showMasterPhAnim="1">
+<p:sld xmlns:a="http://schemas.openxmlformats.org/drawingml/2006/main" xmlns:r="http://schemas.openxmlformats.org/officeDocument/2006/relationships" xmlns:p="http://schemas.openxmlformats.org/presentationml/2006/main">
   <p:cSld>
     <p:spTree>
       <p:nvGrpSpPr>
@@ -4075,7 +4482,9 @@
       <p:sp>
         <p:nvSpPr>
           <p:cNvPr id="130" name="Méthode de Newton"/>
-          <p:cNvSpPr txBox="1"/>
+          <p:cNvSpPr txBox="1">
+            <a:spLocks noGrp="1"/>
+          </p:cNvSpPr>
           <p:nvPr>
             <p:ph type="title"/>
           </p:nvPr>
@@ -4089,7 +4498,6 @@
           <a:bodyPr/>
           <a:lstStyle/>
           <a:p>
-            <a:pPr/>
             <a:r>
               <a:t>Méthode de Newton</a:t>
             </a:r>
@@ -4099,7 +4507,9 @@
       <p:sp>
         <p:nvSpPr>
           <p:cNvPr id="131" name="La méthode de Newton raffine l’approximation à chaque nouveau calcul"/>
-          <p:cNvSpPr txBox="1"/>
+          <p:cNvSpPr txBox="1">
+            <a:spLocks noGrp="1"/>
+          </p:cNvSpPr>
           <p:nvPr>
             <p:ph type="body" sz="quarter" idx="1"/>
           </p:nvPr>
@@ -4126,7 +4536,6 @@
             </a:lvl1pPr>
           </a:lstStyle>
           <a:p>
-            <a:pPr/>
             <a:r>
               <a:t>La méthode de Newton raffine l’approximation à chaque nouveau calcul</a:t>
             </a:r>
@@ -4170,6 +4579,7 @@
                 </a:solidFill>
               </a:defRPr>
             </a:pPr>
+            <a:endParaRPr/>
           </a:p>
         </p:txBody>
       </p:sp>
@@ -4205,6 +4615,7 @@
                 </a:solidFill>
               </a:defRPr>
             </a:pPr>
+            <a:endParaRPr/>
           </a:p>
         </p:txBody>
       </p:sp>
@@ -4240,6 +4651,7 @@
                 </a:solidFill>
               </a:defRPr>
             </a:pPr>
+            <a:endParaRPr/>
           </a:p>
         </p:txBody>
       </p:sp>
@@ -4275,6 +4687,7 @@
                 </a:solidFill>
               </a:defRPr>
             </a:pPr>
+            <a:endParaRPr/>
           </a:p>
         </p:txBody>
       </p:sp>
@@ -4297,7 +4710,7 @@
           </a:ln>
           <a:extLst>
             <a:ext uri="{C572A759-6A51-4108-AA02-DFA0A04FC94B}">
-              <ma14:wrappingTextBoxFlag xmlns:ma14="http://schemas.microsoft.com/office/mac/drawingml/2011/main" val="1"/>
+              <ma14:wrappingTextBoxFlag xmlns:ma14="http://schemas.microsoft.com/office/mac/drawingml/2011/main" xmlns:a14="http://schemas.microsoft.com/office/drawing/2010/main" xmlns:m="http://schemas.openxmlformats.org/officeDocument/2006/math" xmlns="" val="1"/>
             </a:ext>
           </a:extLst>
         </p:spPr>
@@ -4319,7 +4732,6 @@
             </a:lvl1pPr>
           </a:lstStyle>
           <a:p>
-            <a:pPr/>
             <a:r>
               <a:t>n</a:t>
             </a:r>
@@ -4357,7 +4769,7 @@
             </a:cxnLst>
             <a:rect l="0" t="0" r="r" b="b"/>
             <a:pathLst>
-              <a:path w="21600" h="21600" fill="norm" stroke="1" extrusionOk="0">
+              <a:path w="21600" h="21600" extrusionOk="0">
                 <a:moveTo>
                   <a:pt x="0" y="15212"/>
                 </a:moveTo>
@@ -4420,6 +4832,7 @@
                 <a:sym typeface="Hack Regular"/>
               </a:defRPr>
             </a:pPr>
+            <a:endParaRPr/>
           </a:p>
         </p:txBody>
       </p:sp>
@@ -4442,7 +4855,7 @@
           </a:ln>
           <a:extLst>
             <a:ext uri="{C572A759-6A51-4108-AA02-DFA0A04FC94B}">
-              <ma14:wrappingTextBoxFlag xmlns:ma14="http://schemas.microsoft.com/office/mac/drawingml/2011/main" val="1"/>
+              <ma14:wrappingTextBoxFlag xmlns:ma14="http://schemas.microsoft.com/office/mac/drawingml/2011/main" xmlns:a14="http://schemas.microsoft.com/office/drawing/2010/main" xmlns:m="http://schemas.openxmlformats.org/officeDocument/2006/math" xmlns="" val="1"/>
             </a:ext>
           </a:extLst>
         </p:spPr>
@@ -4464,7 +4877,6 @@
             </a:lvl1pPr>
           </a:lstStyle>
           <a:p>
-            <a:pPr/>
             <a:r>
               <a:t>n</a:t>
             </a:r>
@@ -4490,7 +4902,7 @@
           </a:ln>
           <a:extLst>
             <a:ext uri="{C572A759-6A51-4108-AA02-DFA0A04FC94B}">
-              <ma14:wrappingTextBoxFlag xmlns:ma14="http://schemas.microsoft.com/office/mac/drawingml/2011/main" val="1"/>
+              <ma14:wrappingTextBoxFlag xmlns:ma14="http://schemas.microsoft.com/office/mac/drawingml/2011/main" xmlns:a14="http://schemas.microsoft.com/office/drawing/2010/main" xmlns:m="http://schemas.openxmlformats.org/officeDocument/2006/math" xmlns="" val="1"/>
             </a:ext>
           </a:extLst>
         </p:spPr>
@@ -4512,7 +4924,6 @@
             </a:lvl1pPr>
           </a:lstStyle>
           <a:p>
-            <a:pPr/>
             <a:r>
               <a:t>0</a:t>
             </a:r>
@@ -4551,6 +4962,7 @@
                 </a:solidFill>
               </a:defRPr>
             </a:pPr>
+            <a:endParaRPr/>
           </a:p>
         </p:txBody>
       </p:sp>
@@ -4586,6 +4998,7 @@
                 </a:solidFill>
               </a:defRPr>
             </a:pPr>
+            <a:endParaRPr/>
           </a:p>
         </p:txBody>
       </p:sp>
@@ -4621,6 +5034,7 @@
                 </a:solidFill>
               </a:defRPr>
             </a:pPr>
+            <a:endParaRPr/>
           </a:p>
         </p:txBody>
       </p:sp>
@@ -4646,7 +5060,7 @@
           </a:ln>
           <a:extLst>
             <a:ext uri="{C572A759-6A51-4108-AA02-DFA0A04FC94B}">
-              <ma14:wrappingTextBoxFlag xmlns:ma14="http://schemas.microsoft.com/office/mac/drawingml/2011/main" val="1"/>
+              <ma14:wrappingTextBoxFlag xmlns:ma14="http://schemas.microsoft.com/office/mac/drawingml/2011/main" xmlns:a14="http://schemas.microsoft.com/office/drawing/2010/main" xmlns:m="http://schemas.openxmlformats.org/officeDocument/2006/math" xmlns="" val="1"/>
             </a:ext>
           </a:extLst>
         </p:spPr>
@@ -4671,7 +5085,6 @@
             </a:lvl1pPr>
           </a:lstStyle>
           <a:p>
-            <a:pPr/>
             <a:r>
               <a:t>(a + n/a)/2</a:t>
             </a:r>
@@ -4709,7 +5122,7 @@
             </a:cxnLst>
             <a:rect l="0" t="0" r="r" b="b"/>
             <a:pathLst>
-              <a:path w="21600" h="21600" fill="norm" stroke="1" extrusionOk="0">
+              <a:path w="21600" h="21600" extrusionOk="0">
                 <a:moveTo>
                   <a:pt x="0" y="21600"/>
                 </a:moveTo>
@@ -4733,7 +5146,7 @@
           <a:bodyPr lIns="50800" tIns="50800" rIns="50800" bIns="50800" anchor="ctr"/>
           <a:lstStyle/>
           <a:p>
-            <a:pPr/>
+            <a:endParaRPr/>
           </a:p>
         </p:txBody>
       </p:sp>
@@ -4759,7 +5172,7 @@
           </a:ln>
           <a:extLst>
             <a:ext uri="{C572A759-6A51-4108-AA02-DFA0A04FC94B}">
-              <ma14:wrappingTextBoxFlag xmlns:ma14="http://schemas.microsoft.com/office/mac/drawingml/2011/main" val="1"/>
+              <ma14:wrappingTextBoxFlag xmlns:ma14="http://schemas.microsoft.com/office/mac/drawingml/2011/main" xmlns:a14="http://schemas.microsoft.com/office/drawing/2010/main" xmlns:m="http://schemas.openxmlformats.org/officeDocument/2006/math" xmlns="" val="1"/>
             </a:ext>
           </a:extLst>
         </p:spPr>
@@ -4784,7 +5197,6 @@
             </a:lvl1pPr>
           </a:lstStyle>
           <a:p>
-            <a:pPr/>
             <a:r>
               <a:t>a</a:t>
             </a:r>
@@ -4822,7 +5234,7 @@
             </a:cxnLst>
             <a:rect l="0" t="0" r="r" b="b"/>
             <a:pathLst>
-              <a:path w="21600" h="21600" fill="norm" stroke="1" extrusionOk="0">
+              <a:path w="21600" h="21600" extrusionOk="0">
                 <a:moveTo>
                   <a:pt x="0" y="21600"/>
                 </a:moveTo>
@@ -4846,7 +5258,7 @@
           <a:bodyPr lIns="50800" tIns="50800" rIns="50800" bIns="50800" anchor="ctr"/>
           <a:lstStyle/>
           <a:p>
-            <a:pPr/>
+            <a:endParaRPr/>
           </a:p>
         </p:txBody>
       </p:sp>
@@ -4872,7 +5284,7 @@
           </a:ln>
           <a:extLst>
             <a:ext uri="{C572A759-6A51-4108-AA02-DFA0A04FC94B}">
-              <ma14:wrappingTextBoxFlag xmlns:ma14="http://schemas.microsoft.com/office/mac/drawingml/2011/main" val="1"/>
+              <ma14:wrappingTextBoxFlag xmlns:ma14="http://schemas.microsoft.com/office/mac/drawingml/2011/main" xmlns:a14="http://schemas.microsoft.com/office/drawing/2010/main" xmlns:m="http://schemas.openxmlformats.org/officeDocument/2006/math" xmlns="" val="1"/>
             </a:ext>
           </a:extLst>
         </p:spPr>
@@ -4897,7 +5309,6 @@
             </a:lvl1pPr>
           </a:lstStyle>
           <a:p>
-            <a:pPr/>
             <a:r>
               <a:t>n/a</a:t>
             </a:r>
@@ -4935,7 +5346,7 @@
             </a:cxnLst>
             <a:rect l="0" t="0" r="r" b="b"/>
             <a:pathLst>
-              <a:path w="20792" h="21600" fill="norm" stroke="1" extrusionOk="0">
+              <a:path w="20792" h="21600" extrusionOk="0">
                 <a:moveTo>
                   <a:pt x="20784" y="21600"/>
                 </a:moveTo>
@@ -4959,7 +5370,7 @@
           <a:bodyPr lIns="50800" tIns="50800" rIns="50800" bIns="50800" anchor="ctr"/>
           <a:lstStyle/>
           <a:p>
-            <a:pPr/>
+            <a:endParaRPr/>
           </a:p>
         </p:txBody>
       </p:sp>
@@ -4995,6 +5406,7 @@
                 </a:solidFill>
               </a:defRPr>
             </a:pPr>
+            <a:endParaRPr/>
           </a:p>
         </p:txBody>
       </p:sp>
@@ -5017,7 +5429,7 @@
           </a:ln>
           <a:extLst>
             <a:ext uri="{C572A759-6A51-4108-AA02-DFA0A04FC94B}">
-              <ma14:wrappingTextBoxFlag xmlns:ma14="http://schemas.microsoft.com/office/mac/drawingml/2011/main" val="1"/>
+              <ma14:wrappingTextBoxFlag xmlns:ma14="http://schemas.microsoft.com/office/mac/drawingml/2011/main" xmlns:a14="http://schemas.microsoft.com/office/drawing/2010/main" xmlns:m="http://schemas.openxmlformats.org/officeDocument/2006/math" xmlns="" val="1"/>
             </a:ext>
           </a:extLst>
         </p:spPr>
@@ -5039,7 +5451,6 @@
             </a:lvl1pPr>
           </a:lstStyle>
           <a:p>
-            <a:pPr/>
             <a:r>
               <a:t>1</a:t>
             </a:r>
@@ -5051,12 +5462,12 @@
   <p:clrMapOvr>
     <a:masterClrMapping/>
   </p:clrMapOvr>
-  <p:transition xmlns:p14="http://schemas.microsoft.com/office/powerpoint/2010/main" spd="med" advClick="1"/>
+  <p:transition spd="med"/>
 </p:sld>
 </file>
 
 <file path=ppt/slides/slide4.xml><?xml version="1.0" encoding="utf-8"?>
-<p:sld xmlns:a="http://schemas.openxmlformats.org/drawingml/2006/main" xmlns:r="http://schemas.openxmlformats.org/officeDocument/2006/relationships" xmlns:p="http://schemas.openxmlformats.org/presentationml/2006/main" xmlns:m="http://schemas.openxmlformats.org/officeDocument/2006/math" xmlns:a14="http://schemas.microsoft.com/office/drawing/2010/main" showMasterSp="1" showMasterPhAnim="1">
+<p:sld xmlns:a="http://schemas.openxmlformats.org/drawingml/2006/main" xmlns:r="http://schemas.openxmlformats.org/officeDocument/2006/relationships" xmlns:p="http://schemas.openxmlformats.org/presentationml/2006/main">
   <p:cSld>
     <p:spTree>
       <p:nvGrpSpPr>
@@ -5075,7 +5486,9 @@
       <p:sp>
         <p:nvSpPr>
           <p:cNvPr id="152" name="Racine carrée"/>
-          <p:cNvSpPr txBox="1"/>
+          <p:cNvSpPr txBox="1">
+            <a:spLocks noGrp="1"/>
+          </p:cNvSpPr>
           <p:nvPr>
             <p:ph type="title"/>
           </p:nvPr>
@@ -5089,7 +5502,6 @@
           <a:bodyPr/>
           <a:lstStyle/>
           <a:p>
-            <a:pPr/>
             <a:r>
               <a:t>Racine carrée</a:t>
             </a:r>
@@ -5099,7 +5511,9 @@
       <p:sp>
         <p:nvSpPr>
           <p:cNvPr id="153" name="Ça ne fonctionne pas pour des plus grands n :"/>
-          <p:cNvSpPr txBox="1"/>
+          <p:cNvSpPr txBox="1">
+            <a:spLocks noGrp="1"/>
+          </p:cNvSpPr>
           <p:nvPr>
             <p:ph type="body" sz="quarter" idx="1"/>
           </p:nvPr>
@@ -5156,7 +5570,7 @@
             <a:miter lim="400000"/>
           </a:ln>
           <a:effectLst>
-            <a:outerShdw sx="100000" sy="100000" kx="0" ky="0" algn="b" rotWithShape="0" blurRad="63500" dist="25400" dir="5400000">
+            <a:outerShdw blurRad="63500" dist="25400" dir="5400000" rotWithShape="0">
               <a:srgbClr val="000000">
                 <a:alpha val="50000"/>
               </a:srgbClr>
@@ -5164,7 +5578,7 @@
           </a:effectLst>
           <a:extLst>
             <a:ext uri="{C572A759-6A51-4108-AA02-DFA0A04FC94B}">
-              <ma14:wrappingTextBoxFlag xmlns:ma14="http://schemas.microsoft.com/office/mac/drawingml/2011/main" val="1"/>
+              <ma14:wrappingTextBoxFlag xmlns:ma14="http://schemas.microsoft.com/office/mac/drawingml/2011/main" xmlns:a14="http://schemas.microsoft.com/office/drawing/2010/main" xmlns:m="http://schemas.openxmlformats.org/officeDocument/2006/math" xmlns="" val="1"/>
             </a:ext>
           </a:extLst>
         </p:spPr>
@@ -5187,7 +5601,7 @@
             </a:pPr>
             <a:r>
               <a:rPr>
-                <a:hlinkClick r:id="rId3" invalidUrl="" action="" tgtFrame="" tooltip="" history="1" highlightClick="0" endSnd="0"/>
+                <a:hlinkClick r:id="rId3"/>
               </a:rPr>
               <a:t>Animer racine2</a:t>
             </a:r>
@@ -5205,6 +5619,7 @@
                 <a:sym typeface="Times Roman"/>
               </a:defRPr>
             </a:pPr>
+            <a:endParaRPr u="none"/>
           </a:p>
           <a:p>
             <a:pPr algn="l" defTabSz="457200">
@@ -5276,6 +5691,11 @@
                 <a:sym typeface="Courier"/>
               </a:defRPr>
             </a:pPr>
+            <a:endParaRPr>
+              <a:solidFill>
+                <a:srgbClr val="010101"/>
+              </a:solidFill>
+            </a:endParaRPr>
           </a:p>
           <a:p>
             <a:pPr algn="l" defTabSz="457200">
@@ -5422,6 +5842,7 @@
                 <a:sym typeface="Courier"/>
               </a:defRPr>
             </a:pPr>
+            <a:endParaRPr/>
           </a:p>
           <a:p>
             <a:pPr algn="l" defTabSz="457200">
@@ -5466,9 +5887,9 @@
         <p:grpSpPr>
           <a:xfrm>
             <a:off x="526506" y="8259080"/>
-            <a:ext cx="12268745" cy="1371601"/>
+            <a:ext cx="12268746" cy="1358901"/>
             <a:chOff x="0" y="0"/>
-            <a:chExt cx="12268743" cy="1371600"/>
+            <a:chExt cx="12268744" cy="1358900"/>
           </a:xfrm>
         </p:grpSpPr>
         <p:sp>
@@ -5507,6 +5928,7 @@
                   </a:solidFill>
                 </a:defRPr>
               </a:pPr>
+              <a:endParaRPr/>
             </a:p>
           </p:txBody>
         </p:sp>
@@ -5518,8 +5940,8 @@
           </p:nvSpPr>
           <p:spPr>
             <a:xfrm>
-              <a:off x="152943" y="50800"/>
-              <a:ext cx="12115801" cy="1320801"/>
+              <a:off x="152943" y="105907"/>
+              <a:ext cx="12115801" cy="1210587"/>
             </a:xfrm>
             <a:prstGeom prst="rect">
               <a:avLst/>
@@ -5532,7 +5954,7 @@
             <a:effectLst/>
             <a:extLst>
               <a:ext uri="{C572A759-6A51-4108-AA02-DFA0A04FC94B}">
-                <ma14:wrappingTextBoxFlag xmlns:ma14="http://schemas.microsoft.com/office/mac/drawingml/2011/main" val="1"/>
+                <ma14:wrappingTextBoxFlag xmlns:ma14="http://schemas.microsoft.com/office/mac/drawingml/2011/main" xmlns:a14="http://schemas.microsoft.com/office/drawing/2010/main" xmlns:m="http://schemas.openxmlformats.org/officeDocument/2006/math" xmlns="" val="1"/>
               </a:ext>
             </a:extLst>
           </p:spPr>
@@ -5550,13 +5972,78 @@
                 </a:defRPr>
               </a:pPr>
               <a:r>
-                <a:t>[Note aux enseignants] Cet exemple fait une animation de l’exécution et a été créé similairement :</a:t>
+                <a:rPr dirty="0"/>
+                <a:t>[Note aux </a:t>
+              </a:r>
+              <a:r>
+                <a:rPr dirty="0" err="1"/>
+                <a:t>enseignants</a:t>
+              </a:r>
+              <a:r>
+                <a:rPr dirty="0"/>
+                <a:t>] </a:t>
+              </a:r>
+              <a:r>
+                <a:rPr dirty="0" err="1"/>
+                <a:t>Cet</a:t>
+              </a:r>
+              <a:r>
+                <a:rPr dirty="0"/>
+                <a:t> </a:t>
+              </a:r>
+              <a:r>
+                <a:rPr dirty="0" err="1"/>
+                <a:t>exemple</a:t>
+              </a:r>
+              <a:r>
+                <a:rPr dirty="0"/>
+                <a:t> fait </a:t>
+              </a:r>
+              <a:r>
+                <a:rPr dirty="0" err="1"/>
+                <a:t>une</a:t>
+              </a:r>
+              <a:r>
+                <a:rPr dirty="0"/>
+                <a:t> animation de </a:t>
+              </a:r>
+              <a:r>
+                <a:rPr dirty="0" err="1"/>
+                <a:t>l’exécution</a:t>
+              </a:r>
+              <a:r>
+                <a:rPr dirty="0"/>
+                <a:t> et a </a:t>
+              </a:r>
+              <a:r>
+                <a:rPr dirty="0" err="1"/>
+                <a:t>été</a:t>
+              </a:r>
+              <a:r>
+                <a:rPr dirty="0"/>
+                <a:t> </a:t>
+              </a:r>
+              <a:r>
+                <a:rPr dirty="0" err="1"/>
+                <a:t>créé</a:t>
+              </a:r>
+              <a:r>
+                <a:rPr dirty="0"/>
+                <a:t> </a:t>
+              </a:r>
+              <a:r>
+                <a:rPr dirty="0" err="1"/>
+                <a:t>similairement</a:t>
+              </a:r>
+              <a:r>
+                <a:rPr dirty="0"/>
+                <a:t> :</a:t>
               </a:r>
             </a:p>
             <a:p>
               <a:pPr marL="317500" indent="-317500" algn="l">
                 <a:buSzPct val="100000"/>
-                <a:buAutoNum type="arabicParenR" startAt="1"/>
+                <a:buAutoNum type="arabicParenR"/>
                 <a:defRPr sz="1800">
                   <a:solidFill>
                     <a:srgbClr val="FFFFFF"/>
@@ -5564,20 +6051,150 @@
                 </a:defRPr>
               </a:pPr>
               <a:r>
-                <a:t>Dans codeBoot, éditer  le fichier de code puis faire un clic droit sur le bouton d’exécution pas-à-pas puis choisir l’option «Visiter lien d’exécution animée ou copier au presse-papier : </a:t>
-              </a:r>
-              <a:r>
-                <a:rPr u="sng"/>
-                <a:t>Avec code sous forme de texte riche</a:t>
-              </a:r>
-              <a:r>
+                <a:rPr dirty="0"/>
+                <a:t>Dans </a:t>
+              </a:r>
+              <a:r>
+                <a:rPr dirty="0" err="1"/>
+                <a:t>codeBoot</a:t>
+              </a:r>
+              <a:r>
+                <a:rPr dirty="0"/>
+                <a:t>, </a:t>
+              </a:r>
+              <a:r>
+                <a:rPr dirty="0" err="1"/>
+                <a:t>éditer</a:t>
+              </a:r>
+              <a:r>
+                <a:rPr dirty="0"/>
+                <a:t>  le </a:t>
+              </a:r>
+              <a:r>
+                <a:rPr dirty="0" err="1"/>
+                <a:t>fichier</a:t>
+              </a:r>
+              <a:r>
+                <a:rPr dirty="0"/>
+                <a:t> de code </a:t>
+              </a:r>
+              <a:r>
+                <a:rPr dirty="0" err="1"/>
+                <a:t>puis</a:t>
+              </a:r>
+              <a:r>
+                <a:rPr dirty="0"/>
+                <a:t> faire un </a:t>
+              </a:r>
+              <a:r>
+                <a:rPr dirty="0" err="1"/>
+                <a:t>clic</a:t>
+              </a:r>
+              <a:r>
+                <a:rPr dirty="0"/>
+                <a:t> droit sur le bouton </a:t>
+              </a:r>
+              <a:r>
+                <a:rPr dirty="0" err="1"/>
+                <a:t>d’exécution</a:t>
+              </a:r>
+              <a:r>
+                <a:rPr dirty="0"/>
+                <a:t> pas-à-pas </a:t>
+              </a:r>
+              <a:r>
+                <a:rPr dirty="0" err="1"/>
+                <a:t>puis</a:t>
+              </a:r>
+              <a:r>
+                <a:rPr dirty="0"/>
+                <a:t> </a:t>
+              </a:r>
+              <a:r>
+                <a:rPr dirty="0" err="1"/>
+                <a:t>choisir</a:t>
+              </a:r>
+              <a:r>
+                <a:rPr dirty="0"/>
+                <a:t> </a:t>
+              </a:r>
+              <a:r>
+                <a:rPr dirty="0" err="1"/>
+                <a:t>l’option</a:t>
+              </a:r>
+              <a:r>
+                <a:rPr dirty="0"/>
+                <a:t> «</a:t>
+              </a:r>
+              <a:r>
+                <a:rPr dirty="0" err="1"/>
+                <a:t>Visiter</a:t>
+              </a:r>
+              <a:r>
+                <a:rPr dirty="0"/>
+                <a:t> lien </a:t>
+              </a:r>
+              <a:r>
+                <a:rPr dirty="0" err="1"/>
+                <a:t>d’exécution</a:t>
+              </a:r>
+              <a:r>
+                <a:rPr dirty="0"/>
+                <a:t> </a:t>
+              </a:r>
+              <a:r>
+                <a:rPr dirty="0" err="1"/>
+                <a:t>animée</a:t>
+              </a:r>
+              <a:r>
+                <a:rPr dirty="0"/>
+                <a:t> </a:t>
+              </a:r>
+              <a:r>
+                <a:rPr dirty="0" err="1"/>
+                <a:t>ou</a:t>
+              </a:r>
+              <a:r>
+                <a:rPr dirty="0"/>
+                <a:t> copier au </a:t>
+              </a:r>
+              <a:r>
+                <a:rPr dirty="0" err="1"/>
+                <a:t>presse</a:t>
+              </a:r>
+              <a:r>
+                <a:rPr dirty="0"/>
+                <a:t>-papier : </a:t>
+              </a:r>
+              <a:r>
+                <a:rPr u="sng" dirty="0"/>
+                <a:t>Avec code sous </a:t>
+              </a:r>
+              <a:r>
+                <a:rPr u="sng" dirty="0" err="1"/>
+                <a:t>forme</a:t>
+              </a:r>
+              <a:r>
+                <a:rPr u="sng" dirty="0"/>
+                <a:t> de </a:t>
+              </a:r>
+              <a:r>
+                <a:rPr u="sng" dirty="0" err="1"/>
+                <a:t>texte</a:t>
+              </a:r>
+              <a:r>
+                <a:rPr u="sng" dirty="0"/>
+                <a:t> riche</a:t>
+              </a:r>
+              <a:r>
+                <a:rPr dirty="0"/>
                 <a:t>»</a:t>
               </a:r>
             </a:p>
             <a:p>
               <a:pPr marL="317500" indent="-317500" algn="l">
                 <a:buSzPct val="100000"/>
-                <a:buAutoNum type="arabicParenR" startAt="1"/>
+                <a:buAutoNum type="arabicParenR"/>
                 <a:defRPr sz="1800">
                   <a:solidFill>
                     <a:srgbClr val="FFFFFF"/>
@@ -5585,8 +6202,110 @@
                 </a:defRPr>
               </a:pPr>
               <a:r>
-                <a:t>Dans Keynote, créer une boîte de type «Texte» puis cliquer la boîte puis faire «coller» puis ajuster la boîte</a:t>
-              </a:r>
+                <a:rPr dirty="0"/>
+                <a:t>Dans </a:t>
+              </a:r>
+              <a:r>
+                <a:rPr lang="fr-CA" dirty="0"/>
+                <a:t>PowerPoint</a:t>
+              </a:r>
+              <a:r>
+                <a:rPr dirty="0"/>
+                <a:t>, </a:t>
+              </a:r>
+              <a:r>
+                <a:rPr dirty="0" err="1"/>
+                <a:t>créer</a:t>
+              </a:r>
+              <a:r>
+                <a:rPr dirty="0"/>
+                <a:t> </a:t>
+              </a:r>
+              <a:r>
+                <a:rPr dirty="0" err="1"/>
+                <a:t>une</a:t>
+              </a:r>
+              <a:r>
+                <a:rPr dirty="0"/>
+                <a:t> </a:t>
+              </a:r>
+              <a:r>
+                <a:rPr dirty="0" err="1"/>
+                <a:t>boîte</a:t>
+              </a:r>
+              <a:r>
+                <a:rPr dirty="0"/>
+                <a:t> de type «</a:t>
+              </a:r>
+              <a:r>
+                <a:rPr dirty="0" err="1"/>
+                <a:t>Texte</a:t>
+              </a:r>
+              <a:r>
+                <a:rPr dirty="0"/>
+                <a:t>» </a:t>
+              </a:r>
+              <a:r>
+                <a:rPr dirty="0" err="1"/>
+                <a:t>puis</a:t>
+              </a:r>
+              <a:r>
+                <a:rPr dirty="0"/>
+                <a:t> </a:t>
+              </a:r>
+              <a:r>
+                <a:rPr dirty="0" err="1"/>
+                <a:t>cliquer</a:t>
+              </a:r>
+              <a:r>
+                <a:rPr dirty="0"/>
+                <a:t> la </a:t>
+              </a:r>
+              <a:r>
+                <a:rPr dirty="0" err="1"/>
+                <a:t>boîte</a:t>
+              </a:r>
+              <a:r>
+                <a:rPr dirty="0"/>
+                <a:t> </a:t>
+              </a:r>
+              <a:r>
+                <a:rPr dirty="0" err="1"/>
+                <a:t>puis</a:t>
+              </a:r>
+              <a:r>
+                <a:rPr dirty="0"/>
+                <a:t> faire «</a:t>
+              </a:r>
+              <a:r>
+                <a:rPr dirty="0" err="1"/>
+                <a:t>coller</a:t>
+              </a:r>
+              <a:r>
+                <a:rPr dirty="0"/>
+                <a:t>» </a:t>
+              </a:r>
+              <a:r>
+                <a:rPr dirty="0" err="1"/>
+                <a:t>puis</a:t>
+              </a:r>
+              <a:r>
+                <a:rPr dirty="0"/>
+                <a:t> </a:t>
+              </a:r>
+              <a:r>
+                <a:rPr dirty="0" err="1"/>
+                <a:t>ajuster</a:t>
+              </a:r>
+              <a:r>
+                <a:rPr dirty="0"/>
+                <a:t> la </a:t>
+              </a:r>
+              <a:r>
+                <a:rPr dirty="0" err="1"/>
+                <a:t>boîte</a:t>
+              </a:r>
+              <a:endParaRPr dirty="0"/>
             </a:p>
           </p:txBody>
         </p:sp>
@@ -5596,12 +6315,12 @@
   <p:clrMapOvr>
     <a:masterClrMapping/>
   </p:clrMapOvr>
-  <p:transition xmlns:p14="http://schemas.microsoft.com/office/powerpoint/2010/main" spd="med" advClick="1"/>
+  <p:transition spd="med"/>
 </p:sld>
 </file>
 
 <file path=ppt/slides/slide5.xml><?xml version="1.0" encoding="utf-8"?>
-<p:sld xmlns:a="http://schemas.openxmlformats.org/drawingml/2006/main" xmlns:r="http://schemas.openxmlformats.org/officeDocument/2006/relationships" xmlns:p="http://schemas.openxmlformats.org/presentationml/2006/main" xmlns:m="http://schemas.openxmlformats.org/officeDocument/2006/math" xmlns:a14="http://schemas.microsoft.com/office/drawing/2010/main" showMasterSp="1" showMasterPhAnim="1">
+<p:sld xmlns:a="http://schemas.openxmlformats.org/drawingml/2006/main" xmlns:r="http://schemas.openxmlformats.org/officeDocument/2006/relationships" xmlns:p="http://schemas.openxmlformats.org/presentationml/2006/main">
   <p:cSld>
     <p:spTree>
       <p:nvGrpSpPr>
@@ -5620,7 +6339,9 @@
       <p:sp>
         <p:nvSpPr>
           <p:cNvPr id="159" name="Boucle «tant-que»"/>
-          <p:cNvSpPr txBox="1"/>
+          <p:cNvSpPr txBox="1">
+            <a:spLocks noGrp="1"/>
+          </p:cNvSpPr>
           <p:nvPr>
             <p:ph type="title"/>
           </p:nvPr>
@@ -5634,7 +6355,6 @@
           <a:bodyPr/>
           <a:lstStyle/>
           <a:p>
-            <a:pPr/>
             <a:r>
               <a:t>Boucle «tant-que»</a:t>
             </a:r>
@@ -5644,7 +6364,9 @@
       <p:sp>
         <p:nvSpPr>
           <p:cNvPr id="160" name="On aimerait répéter le calcul de la prochaine approximation, tant que nécessaire…"/>
-          <p:cNvSpPr txBox="1"/>
+          <p:cNvSpPr txBox="1">
+            <a:spLocks noGrp="1"/>
+          </p:cNvSpPr>
           <p:nvPr>
             <p:ph type="body" sz="half" idx="1"/>
           </p:nvPr>
@@ -5710,7 +6432,7 @@
       <p:sp>
         <p:nvSpPr>
           <p:cNvPr id="161" name="n = 3…">
-            <a:hlinkClick r:id="rId3" invalidUrl="" action="" tgtFrame="" tooltip="" history="1" highlightClick="0" endSnd="0"/>
+            <a:hlinkClick r:id="rId3"/>
           </p:cNvPr>
           <p:cNvSpPr txBox="1"/>
           <p:nvPr/>
@@ -5730,7 +6452,7 @@
             <a:miter lim="400000"/>
           </a:ln>
           <a:effectLst>
-            <a:outerShdw sx="100000" sy="100000" kx="0" ky="0" algn="b" rotWithShape="0" blurRad="63500" dist="25400" dir="5400000">
+            <a:outerShdw blurRad="63500" dist="25400" dir="5400000" rotWithShape="0">
               <a:srgbClr val="000000">
                 <a:alpha val="50000"/>
               </a:srgbClr>
@@ -5738,7 +6460,7 @@
           </a:effectLst>
           <a:extLst>
             <a:ext uri="{C572A759-6A51-4108-AA02-DFA0A04FC94B}">
-              <ma14:wrappingTextBoxFlag xmlns:ma14="http://schemas.microsoft.com/office/mac/drawingml/2011/main" val="1"/>
+              <ma14:wrappingTextBoxFlag xmlns:ma14="http://schemas.microsoft.com/office/mac/drawingml/2011/main" xmlns:a14="http://schemas.microsoft.com/office/drawing/2010/main" xmlns:m="http://schemas.openxmlformats.org/officeDocument/2006/math" xmlns="" val="1"/>
             </a:ext>
           </a:extLst>
         </p:spPr>
@@ -5818,11 +6540,6 @@
               </a:rPr>
               <a:t>(n)</a:t>
             </a:r>
-            <a:endParaRPr>
-              <a:solidFill>
-                <a:srgbClr val="010101"/>
-              </a:solidFill>
-            </a:endParaRPr>
           </a:p>
           <a:p>
             <a:pPr algn="l" defTabSz="457200">
@@ -5864,7 +6581,7 @@
           </a:ln>
           <a:extLst>
             <a:ext uri="{C572A759-6A51-4108-AA02-DFA0A04FC94B}">
-              <ma14:wrappingTextBoxFlag xmlns:ma14="http://schemas.microsoft.com/office/mac/drawingml/2011/main" val="1"/>
+              <ma14:wrappingTextBoxFlag xmlns:ma14="http://schemas.microsoft.com/office/mac/drawingml/2011/main" xmlns:a14="http://schemas.microsoft.com/office/drawing/2010/main" xmlns:m="http://schemas.openxmlformats.org/officeDocument/2006/math" xmlns="" val="1"/>
             </a:ext>
           </a:extLst>
         </p:spPr>
@@ -5901,10 +6618,11 @@
                 <a:sym typeface="Arial"/>
               </a:defRPr>
             </a:pPr>
+            <a:endParaRPr/>
           </a:p>
           <a:p>
             <a:pPr algn="l" defTabSz="914400">
-              <a:defRPr b="1" sz="2700">
+              <a:defRPr sz="2700" b="1">
                 <a:solidFill>
                   <a:srgbClr val="000000"/>
                 </a:solidFill>
@@ -5920,7 +6638,7 @@
           </a:p>
           <a:p>
             <a:pPr algn="l" defTabSz="914400">
-              <a:defRPr b="1" sz="2700">
+              <a:defRPr sz="2700" b="1">
                 <a:solidFill>
                   <a:srgbClr val="000000"/>
                 </a:solidFill>
@@ -5936,7 +6654,7 @@
           </a:p>
           <a:p>
             <a:pPr algn="l" defTabSz="914400">
-              <a:defRPr b="1" sz="2700">
+              <a:defRPr sz="2700" b="1">
                 <a:solidFill>
                   <a:srgbClr val="000000"/>
                 </a:solidFill>
@@ -5952,7 +6670,7 @@
           </a:p>
           <a:p>
             <a:pPr algn="l" defTabSz="914400">
-              <a:defRPr b="1" sz="2700">
+              <a:defRPr sz="2700" b="1">
                 <a:solidFill>
                   <a:srgbClr val="000000"/>
                 </a:solidFill>
@@ -6018,6 +6736,7 @@
                   </a:solidFill>
                 </a:defRPr>
               </a:pPr>
+              <a:endParaRPr/>
             </a:p>
           </p:txBody>
         </p:sp>
@@ -6043,7 +6762,7 @@
             <a:effectLst/>
             <a:extLst>
               <a:ext uri="{C572A759-6A51-4108-AA02-DFA0A04FC94B}">
-                <ma14:wrappingTextBoxFlag xmlns:ma14="http://schemas.microsoft.com/office/mac/drawingml/2011/main" val="1"/>
+                <ma14:wrappingTextBoxFlag xmlns:ma14="http://schemas.microsoft.com/office/mac/drawingml/2011/main" xmlns:a14="http://schemas.microsoft.com/office/drawing/2010/main" xmlns:m="http://schemas.openxmlformats.org/officeDocument/2006/math" xmlns="" val="1"/>
               </a:ext>
             </a:extLst>
           </p:spPr>
@@ -6100,12 +6819,12 @@
   <p:clrMapOvr>
     <a:masterClrMapping/>
   </p:clrMapOvr>
-  <p:transition xmlns:p14="http://schemas.microsoft.com/office/powerpoint/2010/main" spd="med" advClick="1"/>
+  <p:transition spd="med"/>
 </p:sld>
 </file>
 
 <file path=ppt/slides/slide6.xml><?xml version="1.0" encoding="utf-8"?>
-<p:sld xmlns:a="http://schemas.openxmlformats.org/drawingml/2006/main" xmlns:r="http://schemas.openxmlformats.org/officeDocument/2006/relationships" xmlns:p="http://schemas.openxmlformats.org/presentationml/2006/main" xmlns:m="http://schemas.openxmlformats.org/officeDocument/2006/math" xmlns:a14="http://schemas.microsoft.com/office/drawing/2010/main" showMasterSp="1" showMasterPhAnim="1">
+<p:sld xmlns:a="http://schemas.openxmlformats.org/drawingml/2006/main" xmlns:r="http://schemas.openxmlformats.org/officeDocument/2006/relationships" xmlns:p="http://schemas.openxmlformats.org/presentationml/2006/main">
   <p:cSld>
     <p:spTree>
       <p:nvGrpSpPr>
@@ -6124,7 +6843,9 @@
       <p:sp>
         <p:nvSpPr>
           <p:cNvPr id="167" name="Racine carrée"/>
-          <p:cNvSpPr txBox="1"/>
+          <p:cNvSpPr txBox="1">
+            <a:spLocks noGrp="1"/>
+          </p:cNvSpPr>
           <p:nvPr>
             <p:ph type="title"/>
           </p:nvPr>
@@ -6138,7 +6859,6 @@
           <a:bodyPr/>
           <a:lstStyle/>
           <a:p>
-            <a:pPr/>
             <a:r>
               <a:t>Racine carrée</a:t>
             </a:r>
@@ -6148,7 +6868,9 @@
       <p:sp>
         <p:nvSpPr>
           <p:cNvPr id="168" name="Pour le calcul de la racine, la condition est que la prochaine approximation soit plus proche de la racine"/>
-          <p:cNvSpPr txBox="1"/>
+          <p:cNvSpPr txBox="1">
+            <a:spLocks noGrp="1"/>
+          </p:cNvSpPr>
           <p:nvPr>
             <p:ph type="body" sz="half" idx="1"/>
           </p:nvPr>
@@ -6190,7 +6912,7 @@
       <p:sp>
         <p:nvSpPr>
           <p:cNvPr id="169" name="# Ce programme calcule et imprime la racine carrée de 900.…">
-            <a:hlinkClick r:id="rId3" invalidUrl="" action="" tgtFrame="" tooltip="" history="1" highlightClick="0" endSnd="0"/>
+            <a:hlinkClick r:id="rId3"/>
           </p:cNvPr>
           <p:cNvSpPr txBox="1"/>
           <p:nvPr/>
@@ -6210,7 +6932,7 @@
             <a:miter lim="400000"/>
           </a:ln>
           <a:effectLst>
-            <a:outerShdw sx="100000" sy="100000" kx="0" ky="0" algn="b" rotWithShape="0" blurRad="63500" dist="25400" dir="5400000">
+            <a:outerShdw blurRad="63500" dist="25400" dir="5400000" rotWithShape="0">
               <a:srgbClr val="000000">
                 <a:alpha val="50000"/>
               </a:srgbClr>
@@ -6218,7 +6940,7 @@
           </a:effectLst>
           <a:extLst>
             <a:ext uri="{C572A759-6A51-4108-AA02-DFA0A04FC94B}">
-              <ma14:wrappingTextBoxFlag xmlns:ma14="http://schemas.microsoft.com/office/mac/drawingml/2011/main" val="1"/>
+              <ma14:wrappingTextBoxFlag xmlns:ma14="http://schemas.microsoft.com/office/mac/drawingml/2011/main" xmlns:a14="http://schemas.microsoft.com/office/drawing/2010/main" xmlns:m="http://schemas.openxmlformats.org/officeDocument/2006/math" xmlns="" val="1"/>
             </a:ext>
           </a:extLst>
         </p:spPr>
@@ -6260,6 +6982,11 @@
                 <a:sym typeface="Courier"/>
               </a:defRPr>
             </a:pPr>
+            <a:endParaRPr>
+              <a:solidFill>
+                <a:srgbClr val="010101"/>
+              </a:solidFill>
+            </a:endParaRPr>
           </a:p>
           <a:p>
             <a:pPr algn="l" defTabSz="457200">
@@ -6331,6 +7058,11 @@
                 <a:sym typeface="Courier"/>
               </a:defRPr>
             </a:pPr>
+            <a:endParaRPr>
+              <a:solidFill>
+                <a:srgbClr val="010101"/>
+              </a:solidFill>
+            </a:endParaRPr>
           </a:p>
           <a:p>
             <a:pPr algn="l" defTabSz="457200">
@@ -6485,6 +7217,7 @@
                   </a:solidFill>
                 </a:defRPr>
               </a:pPr>
+              <a:endParaRPr/>
             </a:p>
           </p:txBody>
         </p:sp>
@@ -6510,7 +7243,7 @@
             <a:effectLst/>
             <a:extLst>
               <a:ext uri="{C572A759-6A51-4108-AA02-DFA0A04FC94B}">
-                <ma14:wrappingTextBoxFlag xmlns:ma14="http://schemas.microsoft.com/office/mac/drawingml/2011/main" val="1"/>
+                <ma14:wrappingTextBoxFlag xmlns:ma14="http://schemas.microsoft.com/office/mac/drawingml/2011/main" xmlns:a14="http://schemas.microsoft.com/office/drawing/2010/main" xmlns:m="http://schemas.openxmlformats.org/officeDocument/2006/math" xmlns="" val="1"/>
               </a:ext>
             </a:extLst>
           </p:spPr>
@@ -6528,7 +7261,6 @@
               </a:lvl1pPr>
             </a:lstStyle>
             <a:p>
-              <a:pPr/>
               <a:r>
                 <a:t>[Note aux enseignants] Cet exemple a été créé comme l’exemple précédent.</a:t>
               </a:r>
@@ -6541,12 +7273,12 @@
   <p:clrMapOvr>
     <a:masterClrMapping/>
   </p:clrMapOvr>
-  <p:transition xmlns:p14="http://schemas.microsoft.com/office/powerpoint/2010/main" spd="med" advClick="1"/>
+  <p:transition spd="med"/>
 </p:sld>
 </file>
 
 <file path=ppt/slides/slide7.xml><?xml version="1.0" encoding="utf-8"?>
-<p:sld xmlns:a="http://schemas.openxmlformats.org/drawingml/2006/main" xmlns:r="http://schemas.openxmlformats.org/officeDocument/2006/relationships" xmlns:p="http://schemas.openxmlformats.org/presentationml/2006/main" xmlns:m="http://schemas.openxmlformats.org/officeDocument/2006/math" xmlns:a14="http://schemas.microsoft.com/office/drawing/2010/main" showMasterSp="1" showMasterPhAnim="1">
+<p:sld xmlns:a="http://schemas.openxmlformats.org/drawingml/2006/main" xmlns:r="http://schemas.openxmlformats.org/officeDocument/2006/relationships" xmlns:p="http://schemas.openxmlformats.org/presentationml/2006/main">
   <p:cSld>
     <p:spTree>
       <p:nvGrpSpPr>
@@ -6565,7 +7297,9 @@
       <p:sp>
         <p:nvSpPr>
           <p:cNvPr id="174" name="Graphique des racines"/>
-          <p:cNvSpPr txBox="1"/>
+          <p:cNvSpPr txBox="1">
+            <a:spLocks noGrp="1"/>
+          </p:cNvSpPr>
           <p:nvPr>
             <p:ph type="title"/>
           </p:nvPr>
@@ -6579,7 +7313,6 @@
           <a:bodyPr/>
           <a:lstStyle/>
           <a:p>
-            <a:pPr/>
             <a:r>
               <a:t>Graphique des racines</a:t>
             </a:r>
@@ -6589,7 +7322,9 @@
       <p:sp>
         <p:nvSpPr>
           <p:cNvPr id="175" name="La méthode de Newton se généralise pour le calcul de n’importe quelle racine :"/>
-          <p:cNvSpPr txBox="1"/>
+          <p:cNvSpPr txBox="1">
+            <a:spLocks noGrp="1"/>
+          </p:cNvSpPr>
           <p:nvPr>
             <p:ph type="body" sz="quarter" idx="1"/>
           </p:nvPr>
@@ -6616,7 +7351,6 @@
             </a:lvl1pPr>
           </a:lstStyle>
           <a:p>
-            <a:pPr/>
             <a:r>
               <a:t>La méthode de Newton se généralise pour le calcul de n’importe quelle racine :</a:t>
             </a:r>
@@ -6626,7 +7360,7 @@
       <p:sp>
         <p:nvSpPr>
           <p:cNvPr id="176" name="def newton(x, n):  # calcul de x**(1/n)…">
-            <a:hlinkClick r:id="rId3" invalidUrl="" action="" tgtFrame="" tooltip="" history="1" highlightClick="0" endSnd="0"/>
+            <a:hlinkClick r:id="rId3"/>
           </p:cNvPr>
           <p:cNvSpPr txBox="1"/>
           <p:nvPr/>
@@ -6646,7 +7380,7 @@
             <a:miter lim="400000"/>
           </a:ln>
           <a:effectLst>
-            <a:outerShdw sx="100000" sy="100000" kx="0" ky="0" algn="b" rotWithShape="0" blurRad="63500" dist="25400" dir="5400000">
+            <a:outerShdw blurRad="63500" dist="25400" dir="5400000" rotWithShape="0">
               <a:srgbClr val="000000">
                 <a:alpha val="50000"/>
               </a:srgbClr>
@@ -6654,7 +7388,7 @@
           </a:effectLst>
           <a:extLst>
             <a:ext uri="{C572A759-6A51-4108-AA02-DFA0A04FC94B}">
-              <ma14:wrappingTextBoxFlag xmlns:ma14="http://schemas.microsoft.com/office/mac/drawingml/2011/main" val="1"/>
+              <ma14:wrappingTextBoxFlag xmlns:ma14="http://schemas.microsoft.com/office/mac/drawingml/2011/main" xmlns:a14="http://schemas.microsoft.com/office/drawing/2010/main" xmlns:m="http://schemas.openxmlformats.org/officeDocument/2006/math" xmlns="" val="1"/>
             </a:ext>
           </a:extLst>
         </p:spPr>
@@ -6787,11 +7521,6 @@
               </a:rPr>
               <a:t>:</a:t>
             </a:r>
-            <a:endParaRPr>
-              <a:solidFill>
-                <a:srgbClr val="010101"/>
-              </a:solidFill>
-            </a:endParaRPr>
           </a:p>
           <a:p>
             <a:pPr algn="l" defTabSz="457200">
@@ -7013,11 +7742,6 @@
               </a:rPr>
               <a:t> a</a:t>
             </a:r>
-            <a:endParaRPr>
-              <a:solidFill>
-                <a:srgbClr val="010101"/>
-              </a:solidFill>
-            </a:endParaRPr>
           </a:p>
           <a:p>
             <a:pPr algn="l" defTabSz="457200">
@@ -7031,6 +7755,11 @@
                 <a:sym typeface="Courier"/>
               </a:defRPr>
             </a:pPr>
+            <a:endParaRPr>
+              <a:solidFill>
+                <a:srgbClr val="010101"/>
+              </a:solidFill>
+            </a:endParaRPr>
           </a:p>
           <a:p>
             <a:pPr algn="l" defTabSz="457200">
@@ -7065,6 +7794,11 @@
                 <a:sym typeface="Courier"/>
               </a:defRPr>
             </a:pPr>
+            <a:endParaRPr>
+              <a:solidFill>
+                <a:srgbClr val="010101"/>
+              </a:solidFill>
+            </a:endParaRPr>
           </a:p>
           <a:p>
             <a:pPr algn="l" defTabSz="457200">
@@ -7156,6 +7890,11 @@
                 <a:sym typeface="Courier"/>
               </a:defRPr>
             </a:pPr>
+            <a:endParaRPr>
+              <a:solidFill>
+                <a:srgbClr val="010101"/>
+              </a:solidFill>
+            </a:endParaRPr>
           </a:p>
           <a:p>
             <a:pPr algn="l" defTabSz="457200">
@@ -7319,6 +8058,7 @@
                 <a:sym typeface="Courier"/>
               </a:defRPr>
             </a:pPr>
+            <a:endParaRPr/>
           </a:p>
           <a:p>
             <a:pPr algn="l" defTabSz="457200">
@@ -7412,6 +8152,7 @@
                   </a:solidFill>
                 </a:defRPr>
               </a:pPr>
+              <a:endParaRPr/>
             </a:p>
           </p:txBody>
         </p:sp>
@@ -7437,7 +8178,7 @@
             <a:effectLst/>
             <a:extLst>
               <a:ext uri="{C572A759-6A51-4108-AA02-DFA0A04FC94B}">
-                <ma14:wrappingTextBoxFlag xmlns:ma14="http://schemas.microsoft.com/office/mac/drawingml/2011/main" val="1"/>
+                <ma14:wrappingTextBoxFlag xmlns:ma14="http://schemas.microsoft.com/office/mac/drawingml/2011/main" xmlns:a14="http://schemas.microsoft.com/office/drawing/2010/main" xmlns:m="http://schemas.openxmlformats.org/officeDocument/2006/math" xmlns="" val="1"/>
               </a:ext>
             </a:extLst>
           </p:spPr>
@@ -7501,12 +8242,12 @@
   <p:clrMapOvr>
     <a:masterClrMapping/>
   </p:clrMapOvr>
-  <p:transition xmlns:p14="http://schemas.microsoft.com/office/powerpoint/2010/main" spd="med" advClick="1"/>
+  <p:transition spd="med"/>
 </p:sld>
 </file>
 
 <file path=ppt/theme/theme1.xml><?xml version="1.0" encoding="utf-8"?>
-<a:theme xmlns:a="http://schemas.openxmlformats.org/drawingml/2006/main" xmlns:r="http://schemas.openxmlformats.org/officeDocument/2006/relationships" name="White">
+<a:theme xmlns:a="http://schemas.openxmlformats.org/drawingml/2006/main" name="White">
   <a:themeElements>
     <a:clrScheme name="White">
       <a:dk1>
@@ -7635,7 +8376,7 @@
         </a:effectStyle>
         <a:effectStyle>
           <a:effectLst>
-            <a:outerShdw sx="100000" sy="100000" kx="0" ky="0" algn="b" rotWithShape="0" blurRad="50800" dist="12700" dir="0">
+            <a:outerShdw blurRad="50800" dist="12700" rotWithShape="0">
               <a:srgbClr val="000000">
                 <a:alpha val="50000"/>
               </a:srgbClr>
@@ -7644,7 +8385,7 @@
         </a:effectStyle>
         <a:effectStyle>
           <a:effectLst>
-            <a:outerShdw sx="100000" sy="100000" kx="0" ky="0" algn="b" rotWithShape="0" blurRad="38100" dist="25400" dir="5400000">
+            <a:outerShdw blurRad="38100" dist="25400" dir="5400000" rotWithShape="0">
               <a:srgbClr val="000000">
                 <a:alpha val="50000"/>
               </a:srgbClr>
@@ -7724,7 +8465,7 @@
         <a:effectLst/>
         <a:sp3d/>
       </a:spPr>
-      <a:bodyPr rot="0" spcFirstLastPara="1" vertOverflow="overflow" horzOverflow="overflow" vert="horz" wrap="square" lIns="50800" tIns="50800" rIns="50800" bIns="50800" numCol="1" spcCol="38100" rtlCol="0" anchor="ctr" upright="0">
+      <a:bodyPr rot="0" spcFirstLastPara="1" vertOverflow="overflow" horzOverflow="overflow" vert="horz" wrap="square" lIns="50800" tIns="50800" rIns="50800" bIns="50800" numCol="1" spcCol="38100" rtlCol="0" anchor="ctr">
         <a:spAutoFit/>
       </a:bodyPr>
       <a:lstStyle>
@@ -7743,7 +8484,7 @@
           <a:buFontTx/>
           <a:buNone/>
           <a:tabLst/>
-          <a:defRPr b="0" baseline="0" cap="none" i="0" spc="0" strike="noStrike" sz="3600" u="none" kumimoji="0" normalizeH="0">
+          <a:defRPr kumimoji="0" sz="3600" b="0" i="0" u="none" strike="noStrike" cap="none" spc="0" normalizeH="0" baseline="0">
             <a:ln>
               <a:noFill/>
             </a:ln>
@@ -7773,7 +8514,7 @@
           <a:buFontTx/>
           <a:buNone/>
           <a:tabLst/>
-          <a:defRPr b="0" baseline="0" cap="none" i="0" spc="0" strike="noStrike" sz="1800" u="none" kumimoji="0" normalizeH="0">
+          <a:defRPr kumimoji="0" sz="1800" b="0" i="0" u="none" strike="noStrike" cap="none" spc="0" normalizeH="0" baseline="0">
             <a:ln>
               <a:noFill/>
             </a:ln>
@@ -7799,7 +8540,7 @@
           <a:buFontTx/>
           <a:buNone/>
           <a:tabLst/>
-          <a:defRPr b="0" baseline="0" cap="none" i="0" spc="0" strike="noStrike" sz="1800" u="none" kumimoji="0" normalizeH="0">
+          <a:defRPr kumimoji="0" sz="1800" b="0" i="0" u="none" strike="noStrike" cap="none" spc="0" normalizeH="0" baseline="0">
             <a:ln>
               <a:noFill/>
             </a:ln>
@@ -7825,7 +8566,7 @@
           <a:buFontTx/>
           <a:buNone/>
           <a:tabLst/>
-          <a:defRPr b="0" baseline="0" cap="none" i="0" spc="0" strike="noStrike" sz="1800" u="none" kumimoji="0" normalizeH="0">
+          <a:defRPr kumimoji="0" sz="1800" b="0" i="0" u="none" strike="noStrike" cap="none" spc="0" normalizeH="0" baseline="0">
             <a:ln>
               <a:noFill/>
             </a:ln>
@@ -7851,7 +8592,7 @@
           <a:buFontTx/>
           <a:buNone/>
           <a:tabLst/>
-          <a:defRPr b="0" baseline="0" cap="none" i="0" spc="0" strike="noStrike" sz="1800" u="none" kumimoji="0" normalizeH="0">
+          <a:defRPr kumimoji="0" sz="1800" b="0" i="0" u="none" strike="noStrike" cap="none" spc="0" normalizeH="0" baseline="0">
             <a:ln>
               <a:noFill/>
             </a:ln>
@@ -7877,7 +8618,7 @@
           <a:buFontTx/>
           <a:buNone/>
           <a:tabLst/>
-          <a:defRPr b="0" baseline="0" cap="none" i="0" spc="0" strike="noStrike" sz="1800" u="none" kumimoji="0" normalizeH="0">
+          <a:defRPr kumimoji="0" sz="1800" b="0" i="0" u="none" strike="noStrike" cap="none" spc="0" normalizeH="0" baseline="0">
             <a:ln>
               <a:noFill/>
             </a:ln>
@@ -7903,7 +8644,7 @@
           <a:buFontTx/>
           <a:buNone/>
           <a:tabLst/>
-          <a:defRPr b="0" baseline="0" cap="none" i="0" spc="0" strike="noStrike" sz="1800" u="none" kumimoji="0" normalizeH="0">
+          <a:defRPr kumimoji="0" sz="1800" b="0" i="0" u="none" strike="noStrike" cap="none" spc="0" normalizeH="0" baseline="0">
             <a:ln>
               <a:noFill/>
             </a:ln>
@@ -7929,7 +8670,7 @@
           <a:buFontTx/>
           <a:buNone/>
           <a:tabLst/>
-          <a:defRPr b="0" baseline="0" cap="none" i="0" spc="0" strike="noStrike" sz="1800" u="none" kumimoji="0" normalizeH="0">
+          <a:defRPr kumimoji="0" sz="1800" b="0" i="0" u="none" strike="noStrike" cap="none" spc="0" normalizeH="0" baseline="0">
             <a:ln>
               <a:noFill/>
             </a:ln>
@@ -7955,7 +8696,7 @@
           <a:buFontTx/>
           <a:buNone/>
           <a:tabLst/>
-          <a:defRPr b="0" baseline="0" cap="none" i="0" spc="0" strike="noStrike" sz="1800" u="none" kumimoji="0" normalizeH="0">
+          <a:defRPr kumimoji="0" sz="1800" b="0" i="0" u="none" strike="noStrike" cap="none" spc="0" normalizeH="0" baseline="0">
             <a:ln>
               <a:noFill/>
             </a:ln>
@@ -7981,7 +8722,7 @@
           <a:buFontTx/>
           <a:buNone/>
           <a:tabLst/>
-          <a:defRPr b="0" baseline="0" cap="none" i="0" spc="0" strike="noStrike" sz="1800" u="none" kumimoji="0" normalizeH="0">
+          <a:defRPr kumimoji="0" sz="1800" b="0" i="0" u="none" strike="noStrike" cap="none" spc="0" normalizeH="0" baseline="0">
             <a:ln>
               <a:noFill/>
             </a:ln>
@@ -7994,9 +8735,15 @@
         </a:lvl9pPr>
       </a:lstStyle>
       <a:style>
-        <a:lnRef idx="0"/>
-        <a:fillRef idx="0"/>
-        <a:effectRef idx="0"/>
+        <a:lnRef idx="0">
+          <a:scrgbClr r="0" g="0" b="0"/>
+        </a:lnRef>
+        <a:fillRef idx="0">
+          <a:scrgbClr r="0" g="0" b="0"/>
+        </a:fillRef>
+        <a:effectRef idx="0">
+          <a:scrgbClr r="0" g="0" b="0"/>
+        </a:effectRef>
         <a:fontRef idx="none"/>
       </a:style>
     </a:spDef>
@@ -8015,7 +8762,7 @@
         <a:effectLst/>
         <a:sp3d/>
       </a:spPr>
-      <a:bodyPr rot="0" spcFirstLastPara="1" vertOverflow="overflow" horzOverflow="overflow" vert="horz" wrap="square" lIns="91439" tIns="45719" rIns="91439" bIns="45719" numCol="1" spcCol="38100" rtlCol="0" anchor="t" upright="0">
+      <a:bodyPr rot="0" spcFirstLastPara="1" vertOverflow="overflow" horzOverflow="overflow" vert="horz" wrap="square" lIns="91439" tIns="45719" rIns="91439" bIns="45719" numCol="1" spcCol="38100" rtlCol="0" anchor="t">
         <a:noAutofit/>
       </a:bodyPr>
       <a:lstStyle>
@@ -8034,7 +8781,7 @@
           <a:buFontTx/>
           <a:buNone/>
           <a:tabLst/>
-          <a:defRPr b="0" baseline="0" cap="none" i="0" spc="0" strike="noStrike" sz="1800" u="none" kumimoji="0" normalizeH="0">
+          <a:defRPr kumimoji="0" sz="1800" b="0" i="0" u="none" strike="noStrike" cap="none" spc="0" normalizeH="0" baseline="0">
             <a:ln>
               <a:noFill/>
             </a:ln>
@@ -8060,7 +8807,7 @@
           <a:buFontTx/>
           <a:buNone/>
           <a:tabLst/>
-          <a:defRPr b="0" baseline="0" cap="none" i="0" spc="0" strike="noStrike" sz="1800" u="none" kumimoji="0" normalizeH="0">
+          <a:defRPr kumimoji="0" sz="1800" b="0" i="0" u="none" strike="noStrike" cap="none" spc="0" normalizeH="0" baseline="0">
             <a:ln>
               <a:noFill/>
             </a:ln>
@@ -8086,7 +8833,7 @@
           <a:buFontTx/>
           <a:buNone/>
           <a:tabLst/>
-          <a:defRPr b="0" baseline="0" cap="none" i="0" spc="0" strike="noStrike" sz="1800" u="none" kumimoji="0" normalizeH="0">
+          <a:defRPr kumimoji="0" sz="1800" b="0" i="0" u="none" strike="noStrike" cap="none" spc="0" normalizeH="0" baseline="0">
             <a:ln>
               <a:noFill/>
             </a:ln>
@@ -8112,7 +8859,7 @@
           <a:buFontTx/>
           <a:buNone/>
           <a:tabLst/>
-          <a:defRPr b="0" baseline="0" cap="none" i="0" spc="0" strike="noStrike" sz="1800" u="none" kumimoji="0" normalizeH="0">
+          <a:defRPr kumimoji="0" sz="1800" b="0" i="0" u="none" strike="noStrike" cap="none" spc="0" normalizeH="0" baseline="0">
             <a:ln>
               <a:noFill/>
             </a:ln>
@@ -8138,7 +8885,7 @@
           <a:buFontTx/>
           <a:buNone/>
           <a:tabLst/>
-          <a:defRPr b="0" baseline="0" cap="none" i="0" spc="0" strike="noStrike" sz="1800" u="none" kumimoji="0" normalizeH="0">
+          <a:defRPr kumimoji="0" sz="1800" b="0" i="0" u="none" strike="noStrike" cap="none" spc="0" normalizeH="0" baseline="0">
             <a:ln>
               <a:noFill/>
             </a:ln>
@@ -8164,7 +8911,7 @@
           <a:buFontTx/>
           <a:buNone/>
           <a:tabLst/>
-          <a:defRPr b="0" baseline="0" cap="none" i="0" spc="0" strike="noStrike" sz="1800" u="none" kumimoji="0" normalizeH="0">
+          <a:defRPr kumimoji="0" sz="1800" b="0" i="0" u="none" strike="noStrike" cap="none" spc="0" normalizeH="0" baseline="0">
             <a:ln>
               <a:noFill/>
             </a:ln>
@@ -8190,7 +8937,7 @@
           <a:buFontTx/>
           <a:buNone/>
           <a:tabLst/>
-          <a:defRPr b="0" baseline="0" cap="none" i="0" spc="0" strike="noStrike" sz="1800" u="none" kumimoji="0" normalizeH="0">
+          <a:defRPr kumimoji="0" sz="1800" b="0" i="0" u="none" strike="noStrike" cap="none" spc="0" normalizeH="0" baseline="0">
             <a:ln>
               <a:noFill/>
             </a:ln>
@@ -8216,7 +8963,7 @@
           <a:buFontTx/>
           <a:buNone/>
           <a:tabLst/>
-          <a:defRPr b="0" baseline="0" cap="none" i="0" spc="0" strike="noStrike" sz="1800" u="none" kumimoji="0" normalizeH="0">
+          <a:defRPr kumimoji="0" sz="1800" b="0" i="0" u="none" strike="noStrike" cap="none" spc="0" normalizeH="0" baseline="0">
             <a:ln>
               <a:noFill/>
             </a:ln>
@@ -8242,7 +8989,7 @@
           <a:buFontTx/>
           <a:buNone/>
           <a:tabLst/>
-          <a:defRPr b="0" baseline="0" cap="none" i="0" spc="0" strike="noStrike" sz="1800" u="none" kumimoji="0" normalizeH="0">
+          <a:defRPr kumimoji="0" sz="1800" b="0" i="0" u="none" strike="noStrike" cap="none" spc="0" normalizeH="0" baseline="0">
             <a:ln>
               <a:noFill/>
             </a:ln>
@@ -8268,7 +9015,7 @@
           <a:buFontTx/>
           <a:buNone/>
           <a:tabLst/>
-          <a:defRPr b="0" baseline="0" cap="none" i="0" spc="0" strike="noStrike" sz="1800" u="none" kumimoji="0" normalizeH="0">
+          <a:defRPr kumimoji="0" sz="1800" b="0" i="0" u="none" strike="noStrike" cap="none" spc="0" normalizeH="0" baseline="0">
             <a:ln>
               <a:noFill/>
             </a:ln>
@@ -8281,9 +9028,15 @@
         </a:lvl9pPr>
       </a:lstStyle>
       <a:style>
-        <a:lnRef idx="0"/>
-        <a:fillRef idx="0"/>
-        <a:effectRef idx="0"/>
+        <a:lnRef idx="0">
+          <a:scrgbClr r="0" g="0" b="0"/>
+        </a:lnRef>
+        <a:fillRef idx="0">
+          <a:scrgbClr r="0" g="0" b="0"/>
+        </a:fillRef>
+        <a:effectRef idx="0">
+          <a:scrgbClr r="0" g="0" b="0"/>
+        </a:effectRef>
         <a:fontRef idx="none"/>
       </a:style>
     </a:lnDef>
@@ -8297,7 +9050,7 @@
         <a:effectLst/>
         <a:sp3d/>
       </a:spPr>
-      <a:bodyPr rot="0" spcFirstLastPara="1" vertOverflow="overflow" horzOverflow="overflow" vert="horz" wrap="square" lIns="50800" tIns="50800" rIns="50800" bIns="50800" numCol="1" spcCol="38100" rtlCol="0" anchor="ctr" upright="0">
+      <a:bodyPr rot="0" spcFirstLastPara="1" vertOverflow="overflow" horzOverflow="overflow" vert="horz" wrap="square" lIns="50800" tIns="50800" rIns="50800" bIns="50800" numCol="1" spcCol="38100" rtlCol="0" anchor="ctr">
         <a:spAutoFit/>
       </a:bodyPr>
       <a:lstStyle>
@@ -8316,7 +9069,7 @@
           <a:buFontTx/>
           <a:buNone/>
           <a:tabLst/>
-          <a:defRPr b="0" baseline="0" cap="none" i="0" spc="0" strike="noStrike" sz="4000" u="none" kumimoji="0" normalizeH="0">
+          <a:defRPr kumimoji="0" sz="4000" b="0" i="0" u="none" strike="noStrike" cap="none" spc="0" normalizeH="0" baseline="0">
             <a:ln>
               <a:noFill/>
             </a:ln>
@@ -8346,7 +9099,7 @@
           <a:buFontTx/>
           <a:buNone/>
           <a:tabLst/>
-          <a:defRPr b="0" baseline="0" cap="none" i="0" spc="0" strike="noStrike" sz="1800" u="none" kumimoji="0" normalizeH="0">
+          <a:defRPr kumimoji="0" sz="1800" b="0" i="0" u="none" strike="noStrike" cap="none" spc="0" normalizeH="0" baseline="0">
             <a:ln>
               <a:noFill/>
             </a:ln>
@@ -8372,7 +9125,7 @@
           <a:buFontTx/>
           <a:buNone/>
           <a:tabLst/>
-          <a:defRPr b="0" baseline="0" cap="none" i="0" spc="0" strike="noStrike" sz="1800" u="none" kumimoji="0" normalizeH="0">
+          <a:defRPr kumimoji="0" sz="1800" b="0" i="0" u="none" strike="noStrike" cap="none" spc="0" normalizeH="0" baseline="0">
             <a:ln>
               <a:noFill/>
             </a:ln>
@@ -8398,7 +9151,7 @@
           <a:buFontTx/>
           <a:buNone/>
           <a:tabLst/>
-          <a:defRPr b="0" baseline="0" cap="none" i="0" spc="0" strike="noStrike" sz="1800" u="none" kumimoji="0" normalizeH="0">
+          <a:defRPr kumimoji="0" sz="1800" b="0" i="0" u="none" strike="noStrike" cap="none" spc="0" normalizeH="0" baseline="0">
             <a:ln>
               <a:noFill/>
             </a:ln>
@@ -8424,7 +9177,7 @@
           <a:buFontTx/>
           <a:buNone/>
           <a:tabLst/>
-          <a:defRPr b="0" baseline="0" cap="none" i="0" spc="0" strike="noStrike" sz="1800" u="none" kumimoji="0" normalizeH="0">
+          <a:defRPr kumimoji="0" sz="1800" b="0" i="0" u="none" strike="noStrike" cap="none" spc="0" normalizeH="0" baseline="0">
             <a:ln>
               <a:noFill/>
             </a:ln>
@@ -8450,7 +9203,7 @@
           <a:buFontTx/>
           <a:buNone/>
           <a:tabLst/>
-          <a:defRPr b="0" baseline="0" cap="none" i="0" spc="0" strike="noStrike" sz="1800" u="none" kumimoji="0" normalizeH="0">
+          <a:defRPr kumimoji="0" sz="1800" b="0" i="0" u="none" strike="noStrike" cap="none" spc="0" normalizeH="0" baseline="0">
             <a:ln>
               <a:noFill/>
             </a:ln>
@@ -8476,7 +9229,7 @@
           <a:buFontTx/>
           <a:buNone/>
           <a:tabLst/>
-          <a:defRPr b="0" baseline="0" cap="none" i="0" spc="0" strike="noStrike" sz="1800" u="none" kumimoji="0" normalizeH="0">
+          <a:defRPr kumimoji="0" sz="1800" b="0" i="0" u="none" strike="noStrike" cap="none" spc="0" normalizeH="0" baseline="0">
             <a:ln>
               <a:noFill/>
             </a:ln>
@@ -8502,7 +9255,7 @@
           <a:buFontTx/>
           <a:buNone/>
           <a:tabLst/>
-          <a:defRPr b="0" baseline="0" cap="none" i="0" spc="0" strike="noStrike" sz="1800" u="none" kumimoji="0" normalizeH="0">
+          <a:defRPr kumimoji="0" sz="1800" b="0" i="0" u="none" strike="noStrike" cap="none" spc="0" normalizeH="0" baseline="0">
             <a:ln>
               <a:noFill/>
             </a:ln>
@@ -8528,7 +9281,7 @@
           <a:buFontTx/>
           <a:buNone/>
           <a:tabLst/>
-          <a:defRPr b="0" baseline="0" cap="none" i="0" spc="0" strike="noStrike" sz="1800" u="none" kumimoji="0" normalizeH="0">
+          <a:defRPr kumimoji="0" sz="1800" b="0" i="0" u="none" strike="noStrike" cap="none" spc="0" normalizeH="0" baseline="0">
             <a:ln>
               <a:noFill/>
             </a:ln>
@@ -8554,7 +9307,7 @@
           <a:buFontTx/>
           <a:buNone/>
           <a:tabLst/>
-          <a:defRPr b="0" baseline="0" cap="none" i="0" spc="0" strike="noStrike" sz="1800" u="none" kumimoji="0" normalizeH="0">
+          <a:defRPr kumimoji="0" sz="1800" b="0" i="0" u="none" strike="noStrike" cap="none" spc="0" normalizeH="0" baseline="0">
             <a:ln>
               <a:noFill/>
             </a:ln>
@@ -8567,18 +9320,25 @@
         </a:lvl9pPr>
       </a:lstStyle>
       <a:style>
-        <a:lnRef idx="0"/>
-        <a:fillRef idx="0"/>
-        <a:effectRef idx="0"/>
+        <a:lnRef idx="0">
+          <a:scrgbClr r="0" g="0" b="0"/>
+        </a:lnRef>
+        <a:fillRef idx="0">
+          <a:scrgbClr r="0" g="0" b="0"/>
+        </a:fillRef>
+        <a:effectRef idx="0">
+          <a:scrgbClr r="0" g="0" b="0"/>
+        </a:effectRef>
         <a:fontRef idx="none"/>
       </a:style>
     </a:txDef>
   </a:objectDefaults>
+  <a:extraClrSchemeLst/>
 </a:theme>
 </file>
 
 <file path=ppt/theme/theme2.xml><?xml version="1.0" encoding="utf-8"?>
-<a:theme xmlns:a="http://schemas.openxmlformats.org/drawingml/2006/main" xmlns:r="http://schemas.openxmlformats.org/officeDocument/2006/relationships" name="White">
+<a:theme xmlns:a="http://schemas.openxmlformats.org/drawingml/2006/main" name="White">
   <a:themeElements>
     <a:clrScheme name="White">
       <a:dk1>
@@ -8707,7 +9467,7 @@
         </a:effectStyle>
         <a:effectStyle>
           <a:effectLst>
-            <a:outerShdw sx="100000" sy="100000" kx="0" ky="0" algn="b" rotWithShape="0" blurRad="50800" dist="12700" dir="0">
+            <a:outerShdw blurRad="50800" dist="12700" rotWithShape="0">
               <a:srgbClr val="000000">
                 <a:alpha val="50000"/>
               </a:srgbClr>
@@ -8716,7 +9476,7 @@
         </a:effectStyle>
         <a:effectStyle>
           <a:effectLst>
-            <a:outerShdw sx="100000" sy="100000" kx="0" ky="0" algn="b" rotWithShape="0" blurRad="38100" dist="25400" dir="5400000">
+            <a:outerShdw blurRad="38100" dist="25400" dir="5400000" rotWithShape="0">
               <a:srgbClr val="000000">
                 <a:alpha val="50000"/>
               </a:srgbClr>
@@ -8796,7 +9556,7 @@
         <a:effectLst/>
         <a:sp3d/>
       </a:spPr>
-      <a:bodyPr rot="0" spcFirstLastPara="1" vertOverflow="overflow" horzOverflow="overflow" vert="horz" wrap="square" lIns="50800" tIns="50800" rIns="50800" bIns="50800" numCol="1" spcCol="38100" rtlCol="0" anchor="ctr" upright="0">
+      <a:bodyPr rot="0" spcFirstLastPara="1" vertOverflow="overflow" horzOverflow="overflow" vert="horz" wrap="square" lIns="50800" tIns="50800" rIns="50800" bIns="50800" numCol="1" spcCol="38100" rtlCol="0" anchor="ctr">
         <a:spAutoFit/>
       </a:bodyPr>
       <a:lstStyle>
@@ -8815,7 +9575,7 @@
           <a:buFontTx/>
           <a:buNone/>
           <a:tabLst/>
-          <a:defRPr b="0" baseline="0" cap="none" i="0" spc="0" strike="noStrike" sz="3600" u="none" kumimoji="0" normalizeH="0">
+          <a:defRPr kumimoji="0" sz="3600" b="0" i="0" u="none" strike="noStrike" cap="none" spc="0" normalizeH="0" baseline="0">
             <a:ln>
               <a:noFill/>
             </a:ln>
@@ -8845,7 +9605,7 @@
           <a:buFontTx/>
           <a:buNone/>
           <a:tabLst/>
-          <a:defRPr b="0" baseline="0" cap="none" i="0" spc="0" strike="noStrike" sz="1800" u="none" kumimoji="0" normalizeH="0">
+          <a:defRPr kumimoji="0" sz="1800" b="0" i="0" u="none" strike="noStrike" cap="none" spc="0" normalizeH="0" baseline="0">
             <a:ln>
               <a:noFill/>
             </a:ln>
@@ -8871,7 +9631,7 @@
           <a:buFontTx/>
           <a:buNone/>
           <a:tabLst/>
-          <a:defRPr b="0" baseline="0" cap="none" i="0" spc="0" strike="noStrike" sz="1800" u="none" kumimoji="0" normalizeH="0">
+          <a:defRPr kumimoji="0" sz="1800" b="0" i="0" u="none" strike="noStrike" cap="none" spc="0" normalizeH="0" baseline="0">
             <a:ln>
               <a:noFill/>
             </a:ln>
@@ -8897,7 +9657,7 @@
           <a:buFontTx/>
           <a:buNone/>
           <a:tabLst/>
-          <a:defRPr b="0" baseline="0" cap="none" i="0" spc="0" strike="noStrike" sz="1800" u="none" kumimoji="0" normalizeH="0">
+          <a:defRPr kumimoji="0" sz="1800" b="0" i="0" u="none" strike="noStrike" cap="none" spc="0" normalizeH="0" baseline="0">
             <a:ln>
               <a:noFill/>
             </a:ln>
@@ -8923,7 +9683,7 @@
           <a:buFontTx/>
           <a:buNone/>
           <a:tabLst/>
-          <a:defRPr b="0" baseline="0" cap="none" i="0" spc="0" strike="noStrike" sz="1800" u="none" kumimoji="0" normalizeH="0">
+          <a:defRPr kumimoji="0" sz="1800" b="0" i="0" u="none" strike="noStrike" cap="none" spc="0" normalizeH="0" baseline="0">
             <a:ln>
               <a:noFill/>
             </a:ln>
@@ -8949,7 +9709,7 @@
           <a:buFontTx/>
           <a:buNone/>
           <a:tabLst/>
-          <a:defRPr b="0" baseline="0" cap="none" i="0" spc="0" strike="noStrike" sz="1800" u="none" kumimoji="0" normalizeH="0">
+          <a:defRPr kumimoji="0" sz="1800" b="0" i="0" u="none" strike="noStrike" cap="none" spc="0" normalizeH="0" baseline="0">
             <a:ln>
               <a:noFill/>
             </a:ln>
@@ -8975,7 +9735,7 @@
           <a:buFontTx/>
           <a:buNone/>
           <a:tabLst/>
-          <a:defRPr b="0" baseline="0" cap="none" i="0" spc="0" strike="noStrike" sz="1800" u="none" kumimoji="0" normalizeH="0">
+          <a:defRPr kumimoji="0" sz="1800" b="0" i="0" u="none" strike="noStrike" cap="none" spc="0" normalizeH="0" baseline="0">
             <a:ln>
               <a:noFill/>
             </a:ln>
@@ -9001,7 +9761,7 @@
           <a:buFontTx/>
           <a:buNone/>
           <a:tabLst/>
-          <a:defRPr b="0" baseline="0" cap="none" i="0" spc="0" strike="noStrike" sz="1800" u="none" kumimoji="0" normalizeH="0">
+          <a:defRPr kumimoji="0" sz="1800" b="0" i="0" u="none" strike="noStrike" cap="none" spc="0" normalizeH="0" baseline="0">
             <a:ln>
               <a:noFill/>
             </a:ln>
@@ -9027,7 +9787,7 @@
           <a:buFontTx/>
           <a:buNone/>
           <a:tabLst/>
-          <a:defRPr b="0" baseline="0" cap="none" i="0" spc="0" strike="noStrike" sz="1800" u="none" kumimoji="0" normalizeH="0">
+          <a:defRPr kumimoji="0" sz="1800" b="0" i="0" u="none" strike="noStrike" cap="none" spc="0" normalizeH="0" baseline="0">
             <a:ln>
               <a:noFill/>
             </a:ln>
@@ -9053,7 +9813,7 @@
           <a:buFontTx/>
           <a:buNone/>
           <a:tabLst/>
-          <a:defRPr b="0" baseline="0" cap="none" i="0" spc="0" strike="noStrike" sz="1800" u="none" kumimoji="0" normalizeH="0">
+          <a:defRPr kumimoji="0" sz="1800" b="0" i="0" u="none" strike="noStrike" cap="none" spc="0" normalizeH="0" baseline="0">
             <a:ln>
               <a:noFill/>
             </a:ln>
@@ -9066,9 +9826,15 @@
         </a:lvl9pPr>
       </a:lstStyle>
       <a:style>
-        <a:lnRef idx="0"/>
-        <a:fillRef idx="0"/>
-        <a:effectRef idx="0"/>
+        <a:lnRef idx="0">
+          <a:scrgbClr r="0" g="0" b="0"/>
+        </a:lnRef>
+        <a:fillRef idx="0">
+          <a:scrgbClr r="0" g="0" b="0"/>
+        </a:fillRef>
+        <a:effectRef idx="0">
+          <a:scrgbClr r="0" g="0" b="0"/>
+        </a:effectRef>
         <a:fontRef idx="none"/>
       </a:style>
     </a:spDef>
@@ -9087,7 +9853,7 @@
         <a:effectLst/>
         <a:sp3d/>
       </a:spPr>
-      <a:bodyPr rot="0" spcFirstLastPara="1" vertOverflow="overflow" horzOverflow="overflow" vert="horz" wrap="square" lIns="91439" tIns="45719" rIns="91439" bIns="45719" numCol="1" spcCol="38100" rtlCol="0" anchor="t" upright="0">
+      <a:bodyPr rot="0" spcFirstLastPara="1" vertOverflow="overflow" horzOverflow="overflow" vert="horz" wrap="square" lIns="91439" tIns="45719" rIns="91439" bIns="45719" numCol="1" spcCol="38100" rtlCol="0" anchor="t">
         <a:noAutofit/>
       </a:bodyPr>
       <a:lstStyle>
@@ -9106,7 +9872,7 @@
           <a:buFontTx/>
           <a:buNone/>
           <a:tabLst/>
-          <a:defRPr b="0" baseline="0" cap="none" i="0" spc="0" strike="noStrike" sz="1800" u="none" kumimoji="0" normalizeH="0">
+          <a:defRPr kumimoji="0" sz="1800" b="0" i="0" u="none" strike="noStrike" cap="none" spc="0" normalizeH="0" baseline="0">
             <a:ln>
               <a:noFill/>
             </a:ln>
@@ -9132,7 +9898,7 @@
           <a:buFontTx/>
           <a:buNone/>
           <a:tabLst/>
-          <a:defRPr b="0" baseline="0" cap="none" i="0" spc="0" strike="noStrike" sz="1800" u="none" kumimoji="0" normalizeH="0">
+          <a:defRPr kumimoji="0" sz="1800" b="0" i="0" u="none" strike="noStrike" cap="none" spc="0" normalizeH="0" baseline="0">
             <a:ln>
               <a:noFill/>
             </a:ln>
@@ -9158,7 +9924,7 @@
           <a:buFontTx/>
           <a:buNone/>
           <a:tabLst/>
-          <a:defRPr b="0" baseline="0" cap="none" i="0" spc="0" strike="noStrike" sz="1800" u="none" kumimoji="0" normalizeH="0">
+          <a:defRPr kumimoji="0" sz="1800" b="0" i="0" u="none" strike="noStrike" cap="none" spc="0" normalizeH="0" baseline="0">
             <a:ln>
               <a:noFill/>
             </a:ln>
@@ -9184,7 +9950,7 @@
           <a:buFontTx/>
           <a:buNone/>
           <a:tabLst/>
-          <a:defRPr b="0" baseline="0" cap="none" i="0" spc="0" strike="noStrike" sz="1800" u="none" kumimoji="0" normalizeH="0">
+          <a:defRPr kumimoji="0" sz="1800" b="0" i="0" u="none" strike="noStrike" cap="none" spc="0" normalizeH="0" baseline="0">
             <a:ln>
               <a:noFill/>
             </a:ln>
@@ -9210,7 +9976,7 @@
           <a:buFontTx/>
           <a:buNone/>
           <a:tabLst/>
-          <a:defRPr b="0" baseline="0" cap="none" i="0" spc="0" strike="noStrike" sz="1800" u="none" kumimoji="0" normalizeH="0">
+          <a:defRPr kumimoji="0" sz="1800" b="0" i="0" u="none" strike="noStrike" cap="none" spc="0" normalizeH="0" baseline="0">
             <a:ln>
               <a:noFill/>
             </a:ln>
@@ -9236,7 +10002,7 @@
           <a:buFontTx/>
           <a:buNone/>
           <a:tabLst/>
-          <a:defRPr b="0" baseline="0" cap="none" i="0" spc="0" strike="noStrike" sz="1800" u="none" kumimoji="0" normalizeH="0">
+          <a:defRPr kumimoji="0" sz="1800" b="0" i="0" u="none" strike="noStrike" cap="none" spc="0" normalizeH="0" baseline="0">
             <a:ln>
               <a:noFill/>
             </a:ln>
@@ -9262,7 +10028,7 @@
           <a:buFontTx/>
           <a:buNone/>
           <a:tabLst/>
-          <a:defRPr b="0" baseline="0" cap="none" i="0" spc="0" strike="noStrike" sz="1800" u="none" kumimoji="0" normalizeH="0">
+          <a:defRPr kumimoji="0" sz="1800" b="0" i="0" u="none" strike="noStrike" cap="none" spc="0" normalizeH="0" baseline="0">
             <a:ln>
               <a:noFill/>
             </a:ln>
@@ -9288,7 +10054,7 @@
           <a:buFontTx/>
           <a:buNone/>
           <a:tabLst/>
-          <a:defRPr b="0" baseline="0" cap="none" i="0" spc="0" strike="noStrike" sz="1800" u="none" kumimoji="0" normalizeH="0">
+          <a:defRPr kumimoji="0" sz="1800" b="0" i="0" u="none" strike="noStrike" cap="none" spc="0" normalizeH="0" baseline="0">
             <a:ln>
               <a:noFill/>
             </a:ln>
@@ -9314,7 +10080,7 @@
           <a:buFontTx/>
           <a:buNone/>
           <a:tabLst/>
-          <a:defRPr b="0" baseline="0" cap="none" i="0" spc="0" strike="noStrike" sz="1800" u="none" kumimoji="0" normalizeH="0">
+          <a:defRPr kumimoji="0" sz="1800" b="0" i="0" u="none" strike="noStrike" cap="none" spc="0" normalizeH="0" baseline="0">
             <a:ln>
               <a:noFill/>
             </a:ln>
@@ -9340,7 +10106,7 @@
           <a:buFontTx/>
           <a:buNone/>
           <a:tabLst/>
-          <a:defRPr b="0" baseline="0" cap="none" i="0" spc="0" strike="noStrike" sz="1800" u="none" kumimoji="0" normalizeH="0">
+          <a:defRPr kumimoji="0" sz="1800" b="0" i="0" u="none" strike="noStrike" cap="none" spc="0" normalizeH="0" baseline="0">
             <a:ln>
               <a:noFill/>
             </a:ln>
@@ -9353,9 +10119,15 @@
         </a:lvl9pPr>
       </a:lstStyle>
       <a:style>
-        <a:lnRef idx="0"/>
-        <a:fillRef idx="0"/>
-        <a:effectRef idx="0"/>
+        <a:lnRef idx="0">
+          <a:scrgbClr r="0" g="0" b="0"/>
+        </a:lnRef>
+        <a:fillRef idx="0">
+          <a:scrgbClr r="0" g="0" b="0"/>
+        </a:fillRef>
+        <a:effectRef idx="0">
+          <a:scrgbClr r="0" g="0" b="0"/>
+        </a:effectRef>
         <a:fontRef idx="none"/>
       </a:style>
     </a:lnDef>
@@ -9369,7 +10141,7 @@
         <a:effectLst/>
         <a:sp3d/>
       </a:spPr>
-      <a:bodyPr rot="0" spcFirstLastPara="1" vertOverflow="overflow" horzOverflow="overflow" vert="horz" wrap="square" lIns="50800" tIns="50800" rIns="50800" bIns="50800" numCol="1" spcCol="38100" rtlCol="0" anchor="ctr" upright="0">
+      <a:bodyPr rot="0" spcFirstLastPara="1" vertOverflow="overflow" horzOverflow="overflow" vert="horz" wrap="square" lIns="50800" tIns="50800" rIns="50800" bIns="50800" numCol="1" spcCol="38100" rtlCol="0" anchor="ctr">
         <a:spAutoFit/>
       </a:bodyPr>
       <a:lstStyle>
@@ -9388,7 +10160,7 @@
           <a:buFontTx/>
           <a:buNone/>
           <a:tabLst/>
-          <a:defRPr b="0" baseline="0" cap="none" i="0" spc="0" strike="noStrike" sz="4000" u="none" kumimoji="0" normalizeH="0">
+          <a:defRPr kumimoji="0" sz="4000" b="0" i="0" u="none" strike="noStrike" cap="none" spc="0" normalizeH="0" baseline="0">
             <a:ln>
               <a:noFill/>
             </a:ln>
@@ -9418,7 +10190,7 @@
           <a:buFontTx/>
           <a:buNone/>
           <a:tabLst/>
-          <a:defRPr b="0" baseline="0" cap="none" i="0" spc="0" strike="noStrike" sz="1800" u="none" kumimoji="0" normalizeH="0">
+          <a:defRPr kumimoji="0" sz="1800" b="0" i="0" u="none" strike="noStrike" cap="none" spc="0" normalizeH="0" baseline="0">
             <a:ln>
               <a:noFill/>
             </a:ln>
@@ -9444,7 +10216,7 @@
           <a:buFontTx/>
           <a:buNone/>
           <a:tabLst/>
-          <a:defRPr b="0" baseline="0" cap="none" i="0" spc="0" strike="noStrike" sz="1800" u="none" kumimoji="0" normalizeH="0">
+          <a:defRPr kumimoji="0" sz="1800" b="0" i="0" u="none" strike="noStrike" cap="none" spc="0" normalizeH="0" baseline="0">
             <a:ln>
               <a:noFill/>
             </a:ln>
@@ -9470,7 +10242,7 @@
           <a:buFontTx/>
           <a:buNone/>
           <a:tabLst/>
-          <a:defRPr b="0" baseline="0" cap="none" i="0" spc="0" strike="noStrike" sz="1800" u="none" kumimoji="0" normalizeH="0">
+          <a:defRPr kumimoji="0" sz="1800" b="0" i="0" u="none" strike="noStrike" cap="none" spc="0" normalizeH="0" baseline="0">
             <a:ln>
               <a:noFill/>
             </a:ln>
@@ -9496,7 +10268,7 @@
           <a:buFontTx/>
           <a:buNone/>
           <a:tabLst/>
-          <a:defRPr b="0" baseline="0" cap="none" i="0" spc="0" strike="noStrike" sz="1800" u="none" kumimoji="0" normalizeH="0">
+          <a:defRPr kumimoji="0" sz="1800" b="0" i="0" u="none" strike="noStrike" cap="none" spc="0" normalizeH="0" baseline="0">
             <a:ln>
               <a:noFill/>
             </a:ln>
@@ -9522,7 +10294,7 @@
           <a:buFontTx/>
           <a:buNone/>
           <a:tabLst/>
-          <a:defRPr b="0" baseline="0" cap="none" i="0" spc="0" strike="noStrike" sz="1800" u="none" kumimoji="0" normalizeH="0">
+          <a:defRPr kumimoji="0" sz="1800" b="0" i="0" u="none" strike="noStrike" cap="none" spc="0" normalizeH="0" baseline="0">
             <a:ln>
               <a:noFill/>
             </a:ln>
@@ -9548,7 +10320,7 @@
           <a:buFontTx/>
           <a:buNone/>
           <a:tabLst/>
-          <a:defRPr b="0" baseline="0" cap="none" i="0" spc="0" strike="noStrike" sz="1800" u="none" kumimoji="0" normalizeH="0">
+          <a:defRPr kumimoji="0" sz="1800" b="0" i="0" u="none" strike="noStrike" cap="none" spc="0" normalizeH="0" baseline="0">
             <a:ln>
               <a:noFill/>
             </a:ln>
@@ -9574,7 +10346,7 @@
           <a:buFontTx/>
           <a:buNone/>
           <a:tabLst/>
-          <a:defRPr b="0" baseline="0" cap="none" i="0" spc="0" strike="noStrike" sz="1800" u="none" kumimoji="0" normalizeH="0">
+          <a:defRPr kumimoji="0" sz="1800" b="0" i="0" u="none" strike="noStrike" cap="none" spc="0" normalizeH="0" baseline="0">
             <a:ln>
               <a:noFill/>
             </a:ln>
@@ -9600,7 +10372,7 @@
           <a:buFontTx/>
           <a:buNone/>
           <a:tabLst/>
-          <a:defRPr b="0" baseline="0" cap="none" i="0" spc="0" strike="noStrike" sz="1800" u="none" kumimoji="0" normalizeH="0">
+          <a:defRPr kumimoji="0" sz="1800" b="0" i="0" u="none" strike="noStrike" cap="none" spc="0" normalizeH="0" baseline="0">
             <a:ln>
               <a:noFill/>
             </a:ln>
@@ -9626,7 +10398,7 @@
           <a:buFontTx/>
           <a:buNone/>
           <a:tabLst/>
-          <a:defRPr b="0" baseline="0" cap="none" i="0" spc="0" strike="noStrike" sz="1800" u="none" kumimoji="0" normalizeH="0">
+          <a:defRPr kumimoji="0" sz="1800" b="0" i="0" u="none" strike="noStrike" cap="none" spc="0" normalizeH="0" baseline="0">
             <a:ln>
               <a:noFill/>
             </a:ln>
@@ -9639,12 +10411,19 @@
         </a:lvl9pPr>
       </a:lstStyle>
       <a:style>
-        <a:lnRef idx="0"/>
-        <a:fillRef idx="0"/>
-        <a:effectRef idx="0"/>
+        <a:lnRef idx="0">
+          <a:scrgbClr r="0" g="0" b="0"/>
+        </a:lnRef>
+        <a:fillRef idx="0">
+          <a:scrgbClr r="0" g="0" b="0"/>
+        </a:fillRef>
+        <a:effectRef idx="0">
+          <a:scrgbClr r="0" g="0" b="0"/>
+        </a:effectRef>
         <a:fontRef idx="none"/>
       </a:style>
     </a:txDef>
   </a:objectDefaults>
+  <a:extraClrSchemeLst/>
 </a:theme>
 </file>